--- a/develop/drawings/CaseLifeCycles.pptx
+++ b/develop/drawings/CaseLifeCycles.pptx
@@ -8,6 +8,10 @@
     <p:sldId id="260" r:id="rId2"/>
     <p:sldId id="261" r:id="rId3"/>
     <p:sldId id="262" r:id="rId4"/>
+    <p:sldId id="263" r:id="rId5"/>
+    <p:sldId id="264" r:id="rId6"/>
+    <p:sldId id="265" r:id="rId7"/>
+    <p:sldId id="266" r:id="rId8"/>
   </p:sldIdLst>
   <p:sldSz cx="9144000" cy="6858000" type="screen4x3"/>
   <p:notesSz cx="6858000" cy="9144000"/>
@@ -306,7 +310,7 @@
           <a:p>
             <a:fld id="{53456102-AF98-4902-8B3F-7190DD0573D9}" type="datetimeFigureOut">
               <a:rPr lang="de-DE" smtClean="0"/>
-              <a:t>27.11.2014</a:t>
+              <a:t>01.12.2014</a:t>
             </a:fld>
             <a:endParaRPr lang="de-DE"/>
           </a:p>
@@ -476,7 +480,7 @@
           <a:p>
             <a:fld id="{53456102-AF98-4902-8B3F-7190DD0573D9}" type="datetimeFigureOut">
               <a:rPr lang="de-DE" smtClean="0"/>
-              <a:t>27.11.2014</a:t>
+              <a:t>01.12.2014</a:t>
             </a:fld>
             <a:endParaRPr lang="de-DE"/>
           </a:p>
@@ -656,7 +660,7 @@
           <a:p>
             <a:fld id="{53456102-AF98-4902-8B3F-7190DD0573D9}" type="datetimeFigureOut">
               <a:rPr lang="de-DE" smtClean="0"/>
-              <a:t>27.11.2014</a:t>
+              <a:t>01.12.2014</a:t>
             </a:fld>
             <a:endParaRPr lang="de-DE"/>
           </a:p>
@@ -826,7 +830,7 @@
           <a:p>
             <a:fld id="{53456102-AF98-4902-8B3F-7190DD0573D9}" type="datetimeFigureOut">
               <a:rPr lang="de-DE" smtClean="0"/>
-              <a:t>27.11.2014</a:t>
+              <a:t>01.12.2014</a:t>
             </a:fld>
             <a:endParaRPr lang="de-DE"/>
           </a:p>
@@ -1072,7 +1076,7 @@
           <a:p>
             <a:fld id="{53456102-AF98-4902-8B3F-7190DD0573D9}" type="datetimeFigureOut">
               <a:rPr lang="de-DE" smtClean="0"/>
-              <a:t>27.11.2014</a:t>
+              <a:t>01.12.2014</a:t>
             </a:fld>
             <a:endParaRPr lang="de-DE"/>
           </a:p>
@@ -1360,7 +1364,7 @@
           <a:p>
             <a:fld id="{53456102-AF98-4902-8B3F-7190DD0573D9}" type="datetimeFigureOut">
               <a:rPr lang="de-DE" smtClean="0"/>
-              <a:t>27.11.2014</a:t>
+              <a:t>01.12.2014</a:t>
             </a:fld>
             <a:endParaRPr lang="de-DE"/>
           </a:p>
@@ -1782,7 +1786,7 @@
           <a:p>
             <a:fld id="{53456102-AF98-4902-8B3F-7190DD0573D9}" type="datetimeFigureOut">
               <a:rPr lang="de-DE" smtClean="0"/>
-              <a:t>27.11.2014</a:t>
+              <a:t>01.12.2014</a:t>
             </a:fld>
             <a:endParaRPr lang="de-DE"/>
           </a:p>
@@ -1900,7 +1904,7 @@
           <a:p>
             <a:fld id="{53456102-AF98-4902-8B3F-7190DD0573D9}" type="datetimeFigureOut">
               <a:rPr lang="de-DE" smtClean="0"/>
-              <a:t>27.11.2014</a:t>
+              <a:t>01.12.2014</a:t>
             </a:fld>
             <a:endParaRPr lang="de-DE"/>
           </a:p>
@@ -1995,7 +1999,7 @@
           <a:p>
             <a:fld id="{53456102-AF98-4902-8B3F-7190DD0573D9}" type="datetimeFigureOut">
               <a:rPr lang="de-DE" smtClean="0"/>
-              <a:t>27.11.2014</a:t>
+              <a:t>01.12.2014</a:t>
             </a:fld>
             <a:endParaRPr lang="de-DE"/>
           </a:p>
@@ -2272,7 +2276,7 @@
           <a:p>
             <a:fld id="{53456102-AF98-4902-8B3F-7190DD0573D9}" type="datetimeFigureOut">
               <a:rPr lang="de-DE" smtClean="0"/>
-              <a:t>27.11.2014</a:t>
+              <a:t>01.12.2014</a:t>
             </a:fld>
             <a:endParaRPr lang="de-DE"/>
           </a:p>
@@ -2525,7 +2529,7 @@
           <a:p>
             <a:fld id="{53456102-AF98-4902-8B3F-7190DD0573D9}" type="datetimeFigureOut">
               <a:rPr lang="de-DE" smtClean="0"/>
-              <a:t>27.11.2014</a:t>
+              <a:t>01.12.2014</a:t>
             </a:fld>
             <a:endParaRPr lang="de-DE"/>
           </a:p>
@@ -2738,7 +2742,7 @@
           <a:p>
             <a:fld id="{53456102-AF98-4902-8B3F-7190DD0573D9}" type="datetimeFigureOut">
               <a:rPr lang="de-DE" smtClean="0"/>
-              <a:t>27.11.2014</a:t>
+              <a:t>01.12.2014</a:t>
             </a:fld>
             <a:endParaRPr lang="de-DE"/>
           </a:p>
@@ -7135,6 +7139,1277 @@
   <p:clrMapOvr>
     <a:masterClrMapping/>
   </p:clrMapOvr>
+  <p:timing>
+    <p:tnLst>
+      <p:par>
+        <p:cTn id="1" dur="indefinite" restart="never" nodeType="tmRoot"/>
+      </p:par>
+    </p:tnLst>
+  </p:timing>
+</p:sld>
+</file>
+
+<file path=ppt/slides/slide4.xml><?xml version="1.0" encoding="utf-8"?>
+<p:sld xmlns:a="http://schemas.openxmlformats.org/drawingml/2006/main" xmlns:r="http://schemas.openxmlformats.org/officeDocument/2006/relationships" xmlns:p="http://schemas.openxmlformats.org/presentationml/2006/main">
+  <p:cSld>
+    <p:spTree>
+      <p:nvGrpSpPr>
+        <p:cNvPr id="1" name=""/>
+        <p:cNvGrpSpPr/>
+        <p:nvPr/>
+      </p:nvGrpSpPr>
+      <p:grpSpPr>
+        <a:xfrm>
+          <a:off x="0" y="0"/>
+          <a:ext cx="0" cy="0"/>
+          <a:chOff x="0" y="0"/>
+          <a:chExt cx="0" cy="0"/>
+        </a:xfrm>
+      </p:grpSpPr>
+      <p:sp>
+        <p:nvSpPr>
+          <p:cNvPr id="24" name="Rechteck 23"/>
+          <p:cNvSpPr/>
+          <p:nvPr/>
+        </p:nvSpPr>
+        <p:spPr>
+          <a:xfrm>
+            <a:off x="2123728" y="1820821"/>
+            <a:ext cx="864096" cy="384043"/>
+          </a:xfrm>
+          <a:prstGeom prst="rect">
+            <a:avLst/>
+          </a:prstGeom>
+          <a:solidFill>
+            <a:schemeClr val="bg1"/>
+          </a:solidFill>
+        </p:spPr>
+        <p:style>
+          <a:lnRef idx="2">
+            <a:schemeClr val="accent1">
+              <a:shade val="50000"/>
+            </a:schemeClr>
+          </a:lnRef>
+          <a:fillRef idx="1">
+            <a:schemeClr val="accent1"/>
+          </a:fillRef>
+          <a:effectRef idx="0">
+            <a:schemeClr val="accent1"/>
+          </a:effectRef>
+          <a:fontRef idx="minor">
+            <a:schemeClr val="lt1"/>
+          </a:fontRef>
+        </p:style>
+        <p:txBody>
+          <a:bodyPr rot="0" spcFirstLastPara="0" vertOverflow="overflow" horzOverflow="overflow" vert="horz" wrap="square" lIns="0" tIns="45720" rIns="0" bIns="45720" numCol="1" spcCol="0" rtlCol="0" fromWordArt="0" anchor="ctr" anchorCtr="0" forceAA="0" compatLnSpc="1">
+            <a:prstTxWarp prst="textNoShape">
+              <a:avLst/>
+            </a:prstTxWarp>
+            <a:noAutofit/>
+          </a:bodyPr>
+          <a:lstStyle/>
+          <a:p>
+            <a:pPr algn="ctr"/>
+            <a:r>
+              <a:rPr lang="de-DE" sz="1000" b="1" dirty="0" smtClean="0">
+                <a:solidFill>
+                  <a:schemeClr val="tx1"/>
+                </a:solidFill>
+              </a:rPr>
+              <a:t>Task A:</a:t>
+            </a:r>
+          </a:p>
+          <a:p>
+            <a:pPr algn="ctr"/>
+            <a:r>
+              <a:rPr lang="de-DE" sz="1000" b="1" dirty="0" smtClean="0">
+                <a:solidFill>
+                  <a:schemeClr val="tx1"/>
+                </a:solidFill>
+              </a:rPr>
+              <a:t>ENABLED</a:t>
+            </a:r>
+            <a:endParaRPr lang="de-DE" sz="1000" b="1" dirty="0">
+              <a:solidFill>
+                <a:schemeClr val="tx1"/>
+              </a:solidFill>
+            </a:endParaRPr>
+          </a:p>
+        </p:txBody>
+      </p:sp>
+      <p:sp>
+        <p:nvSpPr>
+          <p:cNvPr id="5" name="Rechteck 4"/>
+          <p:cNvSpPr/>
+          <p:nvPr/>
+        </p:nvSpPr>
+        <p:spPr>
+          <a:xfrm>
+            <a:off x="2699792" y="1196752"/>
+            <a:ext cx="864096" cy="384043"/>
+          </a:xfrm>
+          <a:prstGeom prst="rect">
+            <a:avLst/>
+          </a:prstGeom>
+          <a:solidFill>
+            <a:schemeClr val="bg1"/>
+          </a:solidFill>
+        </p:spPr>
+        <p:style>
+          <a:lnRef idx="2">
+            <a:schemeClr val="accent1">
+              <a:shade val="50000"/>
+            </a:schemeClr>
+          </a:lnRef>
+          <a:fillRef idx="1">
+            <a:schemeClr val="accent1"/>
+          </a:fillRef>
+          <a:effectRef idx="0">
+            <a:schemeClr val="accent1"/>
+          </a:effectRef>
+          <a:fontRef idx="minor">
+            <a:schemeClr val="lt1"/>
+          </a:fontRef>
+        </p:style>
+        <p:txBody>
+          <a:bodyPr rot="0" spcFirstLastPara="0" vertOverflow="overflow" horzOverflow="overflow" vert="horz" wrap="square" lIns="0" tIns="45720" rIns="0" bIns="45720" numCol="1" spcCol="0" rtlCol="0" fromWordArt="0" anchor="ctr" anchorCtr="0" forceAA="0" compatLnSpc="1">
+            <a:prstTxWarp prst="textNoShape">
+              <a:avLst/>
+            </a:prstTxWarp>
+            <a:noAutofit/>
+          </a:bodyPr>
+          <a:lstStyle/>
+          <a:p>
+            <a:pPr algn="ctr"/>
+            <a:r>
+              <a:rPr lang="de-DE" sz="1000" b="1" dirty="0" smtClean="0">
+                <a:solidFill>
+                  <a:schemeClr val="tx1"/>
+                </a:solidFill>
+              </a:rPr>
+              <a:t>Case Instance:</a:t>
+            </a:r>
+          </a:p>
+          <a:p>
+            <a:pPr algn="ctr"/>
+            <a:r>
+              <a:rPr lang="de-DE" sz="1000" b="1" dirty="0" smtClean="0">
+                <a:solidFill>
+                  <a:schemeClr val="tx1"/>
+                </a:solidFill>
+              </a:rPr>
+              <a:t>ACTIVE</a:t>
+            </a:r>
+            <a:endParaRPr lang="de-DE" sz="1000" b="1" dirty="0">
+              <a:solidFill>
+                <a:schemeClr val="tx1"/>
+              </a:solidFill>
+            </a:endParaRPr>
+          </a:p>
+        </p:txBody>
+      </p:sp>
+      <p:sp>
+        <p:nvSpPr>
+          <p:cNvPr id="7" name="Rechteck 6"/>
+          <p:cNvSpPr/>
+          <p:nvPr/>
+        </p:nvSpPr>
+        <p:spPr>
+          <a:xfrm>
+            <a:off x="3275856" y="1820821"/>
+            <a:ext cx="864096" cy="384043"/>
+          </a:xfrm>
+          <a:prstGeom prst="rect">
+            <a:avLst/>
+          </a:prstGeom>
+          <a:solidFill>
+            <a:schemeClr val="bg1"/>
+          </a:solidFill>
+        </p:spPr>
+        <p:style>
+          <a:lnRef idx="2">
+            <a:schemeClr val="accent1">
+              <a:shade val="50000"/>
+            </a:schemeClr>
+          </a:lnRef>
+          <a:fillRef idx="1">
+            <a:schemeClr val="accent1"/>
+          </a:fillRef>
+          <a:effectRef idx="0">
+            <a:schemeClr val="accent1"/>
+          </a:effectRef>
+          <a:fontRef idx="minor">
+            <a:schemeClr val="lt1"/>
+          </a:fontRef>
+        </p:style>
+        <p:txBody>
+          <a:bodyPr rot="0" spcFirstLastPara="0" vertOverflow="overflow" horzOverflow="overflow" vert="horz" wrap="square" lIns="0" tIns="45720" rIns="0" bIns="45720" numCol="1" spcCol="0" rtlCol="0" fromWordArt="0" anchor="ctr" anchorCtr="0" forceAA="0" compatLnSpc="1">
+            <a:prstTxWarp prst="textNoShape">
+              <a:avLst/>
+            </a:prstTxWarp>
+            <a:noAutofit/>
+          </a:bodyPr>
+          <a:lstStyle/>
+          <a:p>
+            <a:pPr algn="ctr"/>
+            <a:r>
+              <a:rPr lang="de-DE" sz="1000" b="1" dirty="0" smtClean="0">
+                <a:solidFill>
+                  <a:schemeClr val="tx1"/>
+                </a:solidFill>
+              </a:rPr>
+              <a:t>Task B:</a:t>
+            </a:r>
+          </a:p>
+          <a:p>
+            <a:pPr algn="ctr"/>
+            <a:r>
+              <a:rPr lang="de-DE" sz="1000" b="1" dirty="0" smtClean="0">
+                <a:solidFill>
+                  <a:schemeClr val="tx1"/>
+                </a:solidFill>
+              </a:rPr>
+              <a:t>AVAILABLE</a:t>
+            </a:r>
+            <a:endParaRPr lang="de-DE" sz="1000" b="1" dirty="0">
+              <a:solidFill>
+                <a:schemeClr val="tx1"/>
+              </a:solidFill>
+            </a:endParaRPr>
+          </a:p>
+        </p:txBody>
+      </p:sp>
+      <p:cxnSp>
+        <p:nvCxnSpPr>
+          <p:cNvPr id="9" name="Gerade Verbindung mit Pfeil 8"/>
+          <p:cNvCxnSpPr/>
+          <p:nvPr/>
+        </p:nvCxnSpPr>
+        <p:spPr>
+          <a:xfrm flipV="1">
+            <a:off x="2699792" y="1580795"/>
+            <a:ext cx="288032" cy="240026"/>
+          </a:xfrm>
+          <a:prstGeom prst="straightConnector1">
+            <a:avLst/>
+          </a:prstGeom>
+          <a:ln>
+            <a:tailEnd type="triangle"/>
+          </a:ln>
+        </p:spPr>
+        <p:style>
+          <a:lnRef idx="1">
+            <a:schemeClr val="accent1"/>
+          </a:lnRef>
+          <a:fillRef idx="0">
+            <a:schemeClr val="accent1"/>
+          </a:fillRef>
+          <a:effectRef idx="0">
+            <a:schemeClr val="accent1"/>
+          </a:effectRef>
+          <a:fontRef idx="minor">
+            <a:schemeClr val="tx1"/>
+          </a:fontRef>
+        </p:style>
+      </p:cxnSp>
+      <p:cxnSp>
+        <p:nvCxnSpPr>
+          <p:cNvPr id="11" name="Gerade Verbindung mit Pfeil 10"/>
+          <p:cNvCxnSpPr/>
+          <p:nvPr/>
+        </p:nvCxnSpPr>
+        <p:spPr>
+          <a:xfrm flipH="1" flipV="1">
+            <a:off x="3275856" y="1580795"/>
+            <a:ext cx="288032" cy="240026"/>
+          </a:xfrm>
+          <a:prstGeom prst="straightConnector1">
+            <a:avLst/>
+          </a:prstGeom>
+          <a:ln>
+            <a:tailEnd type="triangle"/>
+          </a:ln>
+        </p:spPr>
+        <p:style>
+          <a:lnRef idx="1">
+            <a:schemeClr val="accent1"/>
+          </a:lnRef>
+          <a:fillRef idx="0">
+            <a:schemeClr val="accent1"/>
+          </a:fillRef>
+          <a:effectRef idx="0">
+            <a:schemeClr val="accent1"/>
+          </a:effectRef>
+          <a:fontRef idx="minor">
+            <a:schemeClr val="tx1"/>
+          </a:fontRef>
+        </p:style>
+      </p:cxnSp>
+    </p:spTree>
+    <p:extLst>
+      <p:ext uri="{BB962C8B-B14F-4D97-AF65-F5344CB8AC3E}">
+        <p14:creationId xmlns:p14="http://schemas.microsoft.com/office/powerpoint/2010/main" val="706107221"/>
+      </p:ext>
+    </p:extLst>
+  </p:cSld>
+  <p:clrMapOvr>
+    <a:masterClrMapping/>
+  </p:clrMapOvr>
+  <p:timing>
+    <p:tnLst>
+      <p:par>
+        <p:cTn id="1" dur="indefinite" restart="never" nodeType="tmRoot"/>
+      </p:par>
+    </p:tnLst>
+  </p:timing>
+</p:sld>
+</file>
+
+<file path=ppt/slides/slide5.xml><?xml version="1.0" encoding="utf-8"?>
+<p:sld xmlns:a="http://schemas.openxmlformats.org/drawingml/2006/main" xmlns:r="http://schemas.openxmlformats.org/officeDocument/2006/relationships" xmlns:p="http://schemas.openxmlformats.org/presentationml/2006/main">
+  <p:cSld>
+    <p:spTree>
+      <p:nvGrpSpPr>
+        <p:cNvPr id="1" name=""/>
+        <p:cNvGrpSpPr/>
+        <p:nvPr/>
+      </p:nvGrpSpPr>
+      <p:grpSpPr>
+        <a:xfrm>
+          <a:off x="0" y="0"/>
+          <a:ext cx="0" cy="0"/>
+          <a:chOff x="0" y="0"/>
+          <a:chExt cx="0" cy="0"/>
+        </a:xfrm>
+      </p:grpSpPr>
+      <p:sp>
+        <p:nvSpPr>
+          <p:cNvPr id="15" name="Rechteck 14"/>
+          <p:cNvSpPr/>
+          <p:nvPr/>
+        </p:nvSpPr>
+        <p:spPr>
+          <a:xfrm>
+            <a:off x="2123728" y="1820821"/>
+            <a:ext cx="864096" cy="384043"/>
+          </a:xfrm>
+          <a:prstGeom prst="rect">
+            <a:avLst/>
+          </a:prstGeom>
+          <a:solidFill>
+            <a:schemeClr val="bg1"/>
+          </a:solidFill>
+        </p:spPr>
+        <p:style>
+          <a:lnRef idx="2">
+            <a:schemeClr val="accent1">
+              <a:shade val="50000"/>
+            </a:schemeClr>
+          </a:lnRef>
+          <a:fillRef idx="1">
+            <a:schemeClr val="accent1"/>
+          </a:fillRef>
+          <a:effectRef idx="0">
+            <a:schemeClr val="accent1"/>
+          </a:effectRef>
+          <a:fontRef idx="minor">
+            <a:schemeClr val="lt1"/>
+          </a:fontRef>
+        </p:style>
+        <p:txBody>
+          <a:bodyPr rot="0" spcFirstLastPara="0" vertOverflow="overflow" horzOverflow="overflow" vert="horz" wrap="square" lIns="0" tIns="45720" rIns="0" bIns="45720" numCol="1" spcCol="0" rtlCol="0" fromWordArt="0" anchor="ctr" anchorCtr="0" forceAA="0" compatLnSpc="1">
+            <a:prstTxWarp prst="textNoShape">
+              <a:avLst/>
+            </a:prstTxWarp>
+            <a:noAutofit/>
+          </a:bodyPr>
+          <a:lstStyle/>
+          <a:p>
+            <a:pPr algn="ctr"/>
+            <a:r>
+              <a:rPr lang="de-DE" sz="1000" b="1" dirty="0" smtClean="0">
+                <a:solidFill>
+                  <a:schemeClr val="tx1"/>
+                </a:solidFill>
+              </a:rPr>
+              <a:t>Task A:</a:t>
+            </a:r>
+          </a:p>
+          <a:p>
+            <a:pPr algn="ctr"/>
+            <a:r>
+              <a:rPr lang="de-DE" sz="1000" b="1" dirty="0" smtClean="0">
+                <a:solidFill>
+                  <a:schemeClr val="tx1"/>
+                </a:solidFill>
+              </a:rPr>
+              <a:t>ACTIVE</a:t>
+            </a:r>
+            <a:endParaRPr lang="de-DE" sz="1000" b="1" dirty="0">
+              <a:solidFill>
+                <a:schemeClr val="tx1"/>
+              </a:solidFill>
+            </a:endParaRPr>
+          </a:p>
+        </p:txBody>
+      </p:sp>
+      <p:sp>
+        <p:nvSpPr>
+          <p:cNvPr id="8" name="Rechteck 7"/>
+          <p:cNvSpPr/>
+          <p:nvPr/>
+        </p:nvSpPr>
+        <p:spPr>
+          <a:xfrm>
+            <a:off x="2699792" y="1196752"/>
+            <a:ext cx="864096" cy="384043"/>
+          </a:xfrm>
+          <a:prstGeom prst="rect">
+            <a:avLst/>
+          </a:prstGeom>
+          <a:solidFill>
+            <a:schemeClr val="bg1"/>
+          </a:solidFill>
+        </p:spPr>
+        <p:style>
+          <a:lnRef idx="2">
+            <a:schemeClr val="accent1">
+              <a:shade val="50000"/>
+            </a:schemeClr>
+          </a:lnRef>
+          <a:fillRef idx="1">
+            <a:schemeClr val="accent1"/>
+          </a:fillRef>
+          <a:effectRef idx="0">
+            <a:schemeClr val="accent1"/>
+          </a:effectRef>
+          <a:fontRef idx="minor">
+            <a:schemeClr val="lt1"/>
+          </a:fontRef>
+        </p:style>
+        <p:txBody>
+          <a:bodyPr rot="0" spcFirstLastPara="0" vertOverflow="overflow" horzOverflow="overflow" vert="horz" wrap="square" lIns="0" tIns="45720" rIns="0" bIns="45720" numCol="1" spcCol="0" rtlCol="0" fromWordArt="0" anchor="ctr" anchorCtr="0" forceAA="0" compatLnSpc="1">
+            <a:prstTxWarp prst="textNoShape">
+              <a:avLst/>
+            </a:prstTxWarp>
+            <a:noAutofit/>
+          </a:bodyPr>
+          <a:lstStyle/>
+          <a:p>
+            <a:pPr algn="ctr"/>
+            <a:r>
+              <a:rPr lang="de-DE" sz="1000" b="1" dirty="0" smtClean="0">
+                <a:solidFill>
+                  <a:schemeClr val="tx1"/>
+                </a:solidFill>
+              </a:rPr>
+              <a:t>Case Instance:</a:t>
+            </a:r>
+          </a:p>
+          <a:p>
+            <a:pPr algn="ctr"/>
+            <a:r>
+              <a:rPr lang="de-DE" sz="1000" b="1" dirty="0" smtClean="0">
+                <a:solidFill>
+                  <a:schemeClr val="tx1"/>
+                </a:solidFill>
+              </a:rPr>
+              <a:t>ACTIVE</a:t>
+            </a:r>
+            <a:endParaRPr lang="de-DE" sz="1000" b="1" dirty="0">
+              <a:solidFill>
+                <a:schemeClr val="tx1"/>
+              </a:solidFill>
+            </a:endParaRPr>
+          </a:p>
+        </p:txBody>
+      </p:sp>
+      <p:sp>
+        <p:nvSpPr>
+          <p:cNvPr id="12" name="Rechteck 11"/>
+          <p:cNvSpPr/>
+          <p:nvPr/>
+        </p:nvSpPr>
+        <p:spPr>
+          <a:xfrm>
+            <a:off x="3275856" y="1820821"/>
+            <a:ext cx="864096" cy="384043"/>
+          </a:xfrm>
+          <a:prstGeom prst="rect">
+            <a:avLst/>
+          </a:prstGeom>
+          <a:solidFill>
+            <a:schemeClr val="bg1"/>
+          </a:solidFill>
+        </p:spPr>
+        <p:style>
+          <a:lnRef idx="2">
+            <a:schemeClr val="accent1">
+              <a:shade val="50000"/>
+            </a:schemeClr>
+          </a:lnRef>
+          <a:fillRef idx="1">
+            <a:schemeClr val="accent1"/>
+          </a:fillRef>
+          <a:effectRef idx="0">
+            <a:schemeClr val="accent1"/>
+          </a:effectRef>
+          <a:fontRef idx="minor">
+            <a:schemeClr val="lt1"/>
+          </a:fontRef>
+        </p:style>
+        <p:txBody>
+          <a:bodyPr rot="0" spcFirstLastPara="0" vertOverflow="overflow" horzOverflow="overflow" vert="horz" wrap="square" lIns="0" tIns="45720" rIns="0" bIns="45720" numCol="1" spcCol="0" rtlCol="0" fromWordArt="0" anchor="ctr" anchorCtr="0" forceAA="0" compatLnSpc="1">
+            <a:prstTxWarp prst="textNoShape">
+              <a:avLst/>
+            </a:prstTxWarp>
+            <a:noAutofit/>
+          </a:bodyPr>
+          <a:lstStyle/>
+          <a:p>
+            <a:pPr algn="ctr"/>
+            <a:r>
+              <a:rPr lang="de-DE" sz="1000" b="1" dirty="0" smtClean="0">
+                <a:solidFill>
+                  <a:schemeClr val="tx1"/>
+                </a:solidFill>
+              </a:rPr>
+              <a:t>Task B:</a:t>
+            </a:r>
+          </a:p>
+          <a:p>
+            <a:pPr algn="ctr"/>
+            <a:r>
+              <a:rPr lang="de-DE" sz="1000" b="1" dirty="0" smtClean="0">
+                <a:solidFill>
+                  <a:schemeClr val="tx1"/>
+                </a:solidFill>
+              </a:rPr>
+              <a:t>AVAILABLE</a:t>
+            </a:r>
+            <a:endParaRPr lang="de-DE" sz="1000" b="1" dirty="0">
+              <a:solidFill>
+                <a:schemeClr val="tx1"/>
+              </a:solidFill>
+            </a:endParaRPr>
+          </a:p>
+        </p:txBody>
+      </p:sp>
+      <p:cxnSp>
+        <p:nvCxnSpPr>
+          <p:cNvPr id="13" name="Gerade Verbindung mit Pfeil 12"/>
+          <p:cNvCxnSpPr/>
+          <p:nvPr/>
+        </p:nvCxnSpPr>
+        <p:spPr>
+          <a:xfrm flipV="1">
+            <a:off x="2699792" y="1580795"/>
+            <a:ext cx="288032" cy="240026"/>
+          </a:xfrm>
+          <a:prstGeom prst="straightConnector1">
+            <a:avLst/>
+          </a:prstGeom>
+          <a:ln>
+            <a:tailEnd type="triangle"/>
+          </a:ln>
+        </p:spPr>
+        <p:style>
+          <a:lnRef idx="1">
+            <a:schemeClr val="accent1"/>
+          </a:lnRef>
+          <a:fillRef idx="0">
+            <a:schemeClr val="accent1"/>
+          </a:fillRef>
+          <a:effectRef idx="0">
+            <a:schemeClr val="accent1"/>
+          </a:effectRef>
+          <a:fontRef idx="minor">
+            <a:schemeClr val="tx1"/>
+          </a:fontRef>
+        </p:style>
+      </p:cxnSp>
+      <p:cxnSp>
+        <p:nvCxnSpPr>
+          <p:cNvPr id="14" name="Gerade Verbindung mit Pfeil 13"/>
+          <p:cNvCxnSpPr/>
+          <p:nvPr/>
+        </p:nvCxnSpPr>
+        <p:spPr>
+          <a:xfrm flipH="1" flipV="1">
+            <a:off x="3275856" y="1580795"/>
+            <a:ext cx="288032" cy="240026"/>
+          </a:xfrm>
+          <a:prstGeom prst="straightConnector1">
+            <a:avLst/>
+          </a:prstGeom>
+          <a:ln>
+            <a:tailEnd type="triangle"/>
+          </a:ln>
+        </p:spPr>
+        <p:style>
+          <a:lnRef idx="1">
+            <a:schemeClr val="accent1"/>
+          </a:lnRef>
+          <a:fillRef idx="0">
+            <a:schemeClr val="accent1"/>
+          </a:fillRef>
+          <a:effectRef idx="0">
+            <a:schemeClr val="accent1"/>
+          </a:effectRef>
+          <a:fontRef idx="minor">
+            <a:schemeClr val="tx1"/>
+          </a:fontRef>
+        </p:style>
+      </p:cxnSp>
+    </p:spTree>
+    <p:extLst>
+      <p:ext uri="{BB962C8B-B14F-4D97-AF65-F5344CB8AC3E}">
+        <p14:creationId xmlns:p14="http://schemas.microsoft.com/office/powerpoint/2010/main" val="906761421"/>
+      </p:ext>
+    </p:extLst>
+  </p:cSld>
+  <p:clrMapOvr>
+    <a:masterClrMapping/>
+  </p:clrMapOvr>
+  <p:timing>
+    <p:tnLst>
+      <p:par>
+        <p:cTn id="1" dur="indefinite" restart="never" nodeType="tmRoot"/>
+      </p:par>
+    </p:tnLst>
+  </p:timing>
+</p:sld>
+</file>
+
+<file path=ppt/slides/slide6.xml><?xml version="1.0" encoding="utf-8"?>
+<p:sld xmlns:a="http://schemas.openxmlformats.org/drawingml/2006/main" xmlns:r="http://schemas.openxmlformats.org/officeDocument/2006/relationships" xmlns:p="http://schemas.openxmlformats.org/presentationml/2006/main">
+  <p:cSld>
+    <p:spTree>
+      <p:nvGrpSpPr>
+        <p:cNvPr id="1" name=""/>
+        <p:cNvGrpSpPr/>
+        <p:nvPr/>
+      </p:nvGrpSpPr>
+      <p:grpSpPr>
+        <a:xfrm>
+          <a:off x="0" y="0"/>
+          <a:ext cx="0" cy="0"/>
+          <a:chOff x="0" y="0"/>
+          <a:chExt cx="0" cy="0"/>
+        </a:xfrm>
+      </p:grpSpPr>
+      <p:sp>
+        <p:nvSpPr>
+          <p:cNvPr id="15" name="Rechteck 14"/>
+          <p:cNvSpPr/>
+          <p:nvPr/>
+        </p:nvSpPr>
+        <p:spPr>
+          <a:xfrm>
+            <a:off x="2123728" y="1820821"/>
+            <a:ext cx="864096" cy="384043"/>
+          </a:xfrm>
+          <a:prstGeom prst="rect">
+            <a:avLst/>
+          </a:prstGeom>
+          <a:solidFill>
+            <a:schemeClr val="bg1"/>
+          </a:solidFill>
+        </p:spPr>
+        <p:style>
+          <a:lnRef idx="2">
+            <a:schemeClr val="accent1">
+              <a:shade val="50000"/>
+            </a:schemeClr>
+          </a:lnRef>
+          <a:fillRef idx="1">
+            <a:schemeClr val="accent1"/>
+          </a:fillRef>
+          <a:effectRef idx="0">
+            <a:schemeClr val="accent1"/>
+          </a:effectRef>
+          <a:fontRef idx="minor">
+            <a:schemeClr val="lt1"/>
+          </a:fontRef>
+        </p:style>
+        <p:txBody>
+          <a:bodyPr rot="0" spcFirstLastPara="0" vertOverflow="overflow" horzOverflow="overflow" vert="horz" wrap="square" lIns="0" tIns="45720" rIns="0" bIns="45720" numCol="1" spcCol="0" rtlCol="0" fromWordArt="0" anchor="ctr" anchorCtr="0" forceAA="0" compatLnSpc="1">
+            <a:prstTxWarp prst="textNoShape">
+              <a:avLst/>
+            </a:prstTxWarp>
+            <a:noAutofit/>
+          </a:bodyPr>
+          <a:lstStyle/>
+          <a:p>
+            <a:pPr algn="ctr"/>
+            <a:r>
+              <a:rPr lang="de-DE" sz="1000" b="1" dirty="0" smtClean="0">
+                <a:solidFill>
+                  <a:schemeClr val="tx1"/>
+                </a:solidFill>
+              </a:rPr>
+              <a:t>Task A:</a:t>
+            </a:r>
+          </a:p>
+          <a:p>
+            <a:pPr algn="ctr"/>
+            <a:r>
+              <a:rPr lang="de-DE" sz="1000" b="1" dirty="0" smtClean="0">
+                <a:solidFill>
+                  <a:schemeClr val="tx1"/>
+                </a:solidFill>
+              </a:rPr>
+              <a:t>COMPLETED</a:t>
+            </a:r>
+            <a:endParaRPr lang="de-DE" sz="1000" b="1" dirty="0">
+              <a:solidFill>
+                <a:schemeClr val="tx1"/>
+              </a:solidFill>
+            </a:endParaRPr>
+          </a:p>
+        </p:txBody>
+      </p:sp>
+      <p:sp>
+        <p:nvSpPr>
+          <p:cNvPr id="8" name="Rechteck 7"/>
+          <p:cNvSpPr/>
+          <p:nvPr/>
+        </p:nvSpPr>
+        <p:spPr>
+          <a:xfrm>
+            <a:off x="2699792" y="1196752"/>
+            <a:ext cx="864096" cy="384043"/>
+          </a:xfrm>
+          <a:prstGeom prst="rect">
+            <a:avLst/>
+          </a:prstGeom>
+          <a:solidFill>
+            <a:schemeClr val="bg1"/>
+          </a:solidFill>
+        </p:spPr>
+        <p:style>
+          <a:lnRef idx="2">
+            <a:schemeClr val="accent1">
+              <a:shade val="50000"/>
+            </a:schemeClr>
+          </a:lnRef>
+          <a:fillRef idx="1">
+            <a:schemeClr val="accent1"/>
+          </a:fillRef>
+          <a:effectRef idx="0">
+            <a:schemeClr val="accent1"/>
+          </a:effectRef>
+          <a:fontRef idx="minor">
+            <a:schemeClr val="lt1"/>
+          </a:fontRef>
+        </p:style>
+        <p:txBody>
+          <a:bodyPr rot="0" spcFirstLastPara="0" vertOverflow="overflow" horzOverflow="overflow" vert="horz" wrap="square" lIns="0" tIns="45720" rIns="0" bIns="45720" numCol="1" spcCol="0" rtlCol="0" fromWordArt="0" anchor="ctr" anchorCtr="0" forceAA="0" compatLnSpc="1">
+            <a:prstTxWarp prst="textNoShape">
+              <a:avLst/>
+            </a:prstTxWarp>
+            <a:noAutofit/>
+          </a:bodyPr>
+          <a:lstStyle/>
+          <a:p>
+            <a:pPr algn="ctr"/>
+            <a:r>
+              <a:rPr lang="de-DE" sz="1000" b="1" dirty="0" smtClean="0">
+                <a:solidFill>
+                  <a:schemeClr val="tx1"/>
+                </a:solidFill>
+              </a:rPr>
+              <a:t>Case Instance:</a:t>
+            </a:r>
+          </a:p>
+          <a:p>
+            <a:pPr algn="ctr"/>
+            <a:r>
+              <a:rPr lang="de-DE" sz="1000" b="1" dirty="0" smtClean="0">
+                <a:solidFill>
+                  <a:schemeClr val="tx1"/>
+                </a:solidFill>
+              </a:rPr>
+              <a:t>ACTIVE</a:t>
+            </a:r>
+            <a:endParaRPr lang="de-DE" sz="1000" b="1" dirty="0">
+              <a:solidFill>
+                <a:schemeClr val="tx1"/>
+              </a:solidFill>
+            </a:endParaRPr>
+          </a:p>
+        </p:txBody>
+      </p:sp>
+      <p:sp>
+        <p:nvSpPr>
+          <p:cNvPr id="12" name="Rechteck 11"/>
+          <p:cNvSpPr/>
+          <p:nvPr/>
+        </p:nvSpPr>
+        <p:spPr>
+          <a:xfrm>
+            <a:off x="3275856" y="1820821"/>
+            <a:ext cx="864096" cy="384043"/>
+          </a:xfrm>
+          <a:prstGeom prst="rect">
+            <a:avLst/>
+          </a:prstGeom>
+          <a:solidFill>
+            <a:schemeClr val="bg1"/>
+          </a:solidFill>
+        </p:spPr>
+        <p:style>
+          <a:lnRef idx="2">
+            <a:schemeClr val="accent1">
+              <a:shade val="50000"/>
+            </a:schemeClr>
+          </a:lnRef>
+          <a:fillRef idx="1">
+            <a:schemeClr val="accent1"/>
+          </a:fillRef>
+          <a:effectRef idx="0">
+            <a:schemeClr val="accent1"/>
+          </a:effectRef>
+          <a:fontRef idx="minor">
+            <a:schemeClr val="lt1"/>
+          </a:fontRef>
+        </p:style>
+        <p:txBody>
+          <a:bodyPr rot="0" spcFirstLastPara="0" vertOverflow="overflow" horzOverflow="overflow" vert="horz" wrap="square" lIns="0" tIns="45720" rIns="0" bIns="45720" numCol="1" spcCol="0" rtlCol="0" fromWordArt="0" anchor="ctr" anchorCtr="0" forceAA="0" compatLnSpc="1">
+            <a:prstTxWarp prst="textNoShape">
+              <a:avLst/>
+            </a:prstTxWarp>
+            <a:noAutofit/>
+          </a:bodyPr>
+          <a:lstStyle/>
+          <a:p>
+            <a:pPr algn="ctr"/>
+            <a:r>
+              <a:rPr lang="de-DE" sz="1000" b="1" dirty="0" smtClean="0">
+                <a:solidFill>
+                  <a:schemeClr val="tx1"/>
+                </a:solidFill>
+              </a:rPr>
+              <a:t>Task B:</a:t>
+            </a:r>
+          </a:p>
+          <a:p>
+            <a:pPr algn="ctr"/>
+            <a:r>
+              <a:rPr lang="de-DE" sz="1000" b="1" dirty="0" smtClean="0">
+                <a:solidFill>
+                  <a:schemeClr val="tx1"/>
+                </a:solidFill>
+              </a:rPr>
+              <a:t>ENABLED</a:t>
+            </a:r>
+            <a:endParaRPr lang="de-DE" sz="1000" b="1" dirty="0">
+              <a:solidFill>
+                <a:schemeClr val="tx1"/>
+              </a:solidFill>
+            </a:endParaRPr>
+          </a:p>
+        </p:txBody>
+      </p:sp>
+      <p:cxnSp>
+        <p:nvCxnSpPr>
+          <p:cNvPr id="13" name="Gerade Verbindung mit Pfeil 12"/>
+          <p:cNvCxnSpPr/>
+          <p:nvPr/>
+        </p:nvCxnSpPr>
+        <p:spPr>
+          <a:xfrm flipV="1">
+            <a:off x="2699792" y="1580795"/>
+            <a:ext cx="288032" cy="240026"/>
+          </a:xfrm>
+          <a:prstGeom prst="straightConnector1">
+            <a:avLst/>
+          </a:prstGeom>
+          <a:ln>
+            <a:tailEnd type="triangle"/>
+          </a:ln>
+        </p:spPr>
+        <p:style>
+          <a:lnRef idx="1">
+            <a:schemeClr val="accent1"/>
+          </a:lnRef>
+          <a:fillRef idx="0">
+            <a:schemeClr val="accent1"/>
+          </a:fillRef>
+          <a:effectRef idx="0">
+            <a:schemeClr val="accent1"/>
+          </a:effectRef>
+          <a:fontRef idx="minor">
+            <a:schemeClr val="tx1"/>
+          </a:fontRef>
+        </p:style>
+      </p:cxnSp>
+      <p:cxnSp>
+        <p:nvCxnSpPr>
+          <p:cNvPr id="14" name="Gerade Verbindung mit Pfeil 13"/>
+          <p:cNvCxnSpPr/>
+          <p:nvPr/>
+        </p:nvCxnSpPr>
+        <p:spPr>
+          <a:xfrm flipH="1" flipV="1">
+            <a:off x="3275856" y="1580795"/>
+            <a:ext cx="288032" cy="240026"/>
+          </a:xfrm>
+          <a:prstGeom prst="straightConnector1">
+            <a:avLst/>
+          </a:prstGeom>
+          <a:ln>
+            <a:tailEnd type="triangle"/>
+          </a:ln>
+        </p:spPr>
+        <p:style>
+          <a:lnRef idx="1">
+            <a:schemeClr val="accent1"/>
+          </a:lnRef>
+          <a:fillRef idx="0">
+            <a:schemeClr val="accent1"/>
+          </a:fillRef>
+          <a:effectRef idx="0">
+            <a:schemeClr val="accent1"/>
+          </a:effectRef>
+          <a:fontRef idx="minor">
+            <a:schemeClr val="tx1"/>
+          </a:fontRef>
+        </p:style>
+      </p:cxnSp>
+    </p:spTree>
+    <p:extLst>
+      <p:ext uri="{BB962C8B-B14F-4D97-AF65-F5344CB8AC3E}">
+        <p14:creationId xmlns:p14="http://schemas.microsoft.com/office/powerpoint/2010/main" val="372766194"/>
+      </p:ext>
+    </p:extLst>
+  </p:cSld>
+  <p:clrMapOvr>
+    <a:masterClrMapping/>
+  </p:clrMapOvr>
+  <p:timing>
+    <p:tnLst>
+      <p:par>
+        <p:cTn id="1" dur="indefinite" restart="never" nodeType="tmRoot"/>
+      </p:par>
+    </p:tnLst>
+  </p:timing>
+</p:sld>
+</file>
+
+<file path=ppt/slides/slide7.xml><?xml version="1.0" encoding="utf-8"?>
+<p:sld xmlns:a="http://schemas.openxmlformats.org/drawingml/2006/main" xmlns:r="http://schemas.openxmlformats.org/officeDocument/2006/relationships" xmlns:p="http://schemas.openxmlformats.org/presentationml/2006/main">
+  <p:cSld>
+    <p:spTree>
+      <p:nvGrpSpPr>
+        <p:cNvPr id="1" name=""/>
+        <p:cNvGrpSpPr/>
+        <p:nvPr/>
+      </p:nvGrpSpPr>
+      <p:grpSpPr>
+        <a:xfrm>
+          <a:off x="0" y="0"/>
+          <a:ext cx="0" cy="0"/>
+          <a:chOff x="0" y="0"/>
+          <a:chExt cx="0" cy="0"/>
+        </a:xfrm>
+      </p:grpSpPr>
+      <p:sp>
+        <p:nvSpPr>
+          <p:cNvPr id="15" name="Rechteck 14"/>
+          <p:cNvSpPr/>
+          <p:nvPr/>
+        </p:nvSpPr>
+        <p:spPr>
+          <a:xfrm>
+            <a:off x="2123728" y="1820821"/>
+            <a:ext cx="864096" cy="384043"/>
+          </a:xfrm>
+          <a:prstGeom prst="rect">
+            <a:avLst/>
+          </a:prstGeom>
+          <a:solidFill>
+            <a:schemeClr val="bg1"/>
+          </a:solidFill>
+        </p:spPr>
+        <p:style>
+          <a:lnRef idx="2">
+            <a:schemeClr val="accent1">
+              <a:shade val="50000"/>
+            </a:schemeClr>
+          </a:lnRef>
+          <a:fillRef idx="1">
+            <a:schemeClr val="accent1"/>
+          </a:fillRef>
+          <a:effectRef idx="0">
+            <a:schemeClr val="accent1"/>
+          </a:effectRef>
+          <a:fontRef idx="minor">
+            <a:schemeClr val="lt1"/>
+          </a:fontRef>
+        </p:style>
+        <p:txBody>
+          <a:bodyPr rot="0" spcFirstLastPara="0" vertOverflow="overflow" horzOverflow="overflow" vert="horz" wrap="square" lIns="0" tIns="45720" rIns="0" bIns="45720" numCol="1" spcCol="0" rtlCol="0" fromWordArt="0" anchor="ctr" anchorCtr="0" forceAA="0" compatLnSpc="1">
+            <a:prstTxWarp prst="textNoShape">
+              <a:avLst/>
+            </a:prstTxWarp>
+            <a:noAutofit/>
+          </a:bodyPr>
+          <a:lstStyle/>
+          <a:p>
+            <a:pPr algn="ctr"/>
+            <a:r>
+              <a:rPr lang="de-DE" sz="1000" b="1" dirty="0" smtClean="0">
+                <a:solidFill>
+                  <a:schemeClr val="tx1"/>
+                </a:solidFill>
+              </a:rPr>
+              <a:t>Task A:</a:t>
+            </a:r>
+          </a:p>
+          <a:p>
+            <a:pPr algn="ctr"/>
+            <a:r>
+              <a:rPr lang="de-DE" sz="1000" b="1" dirty="0" smtClean="0">
+                <a:solidFill>
+                  <a:schemeClr val="tx1"/>
+                </a:solidFill>
+              </a:rPr>
+              <a:t>COMPLETED</a:t>
+            </a:r>
+            <a:endParaRPr lang="de-DE" sz="1000" b="1" dirty="0">
+              <a:solidFill>
+                <a:schemeClr val="tx1"/>
+              </a:solidFill>
+            </a:endParaRPr>
+          </a:p>
+        </p:txBody>
+      </p:sp>
+      <p:sp>
+        <p:nvSpPr>
+          <p:cNvPr id="8" name="Rechteck 7"/>
+          <p:cNvSpPr/>
+          <p:nvPr/>
+        </p:nvSpPr>
+        <p:spPr>
+          <a:xfrm>
+            <a:off x="2699792" y="1196752"/>
+            <a:ext cx="864096" cy="384043"/>
+          </a:xfrm>
+          <a:prstGeom prst="rect">
+            <a:avLst/>
+          </a:prstGeom>
+          <a:solidFill>
+            <a:schemeClr val="bg1"/>
+          </a:solidFill>
+        </p:spPr>
+        <p:style>
+          <a:lnRef idx="2">
+            <a:schemeClr val="accent1">
+              <a:shade val="50000"/>
+            </a:schemeClr>
+          </a:lnRef>
+          <a:fillRef idx="1">
+            <a:schemeClr val="accent1"/>
+          </a:fillRef>
+          <a:effectRef idx="0">
+            <a:schemeClr val="accent1"/>
+          </a:effectRef>
+          <a:fontRef idx="minor">
+            <a:schemeClr val="lt1"/>
+          </a:fontRef>
+        </p:style>
+        <p:txBody>
+          <a:bodyPr rot="0" spcFirstLastPara="0" vertOverflow="overflow" horzOverflow="overflow" vert="horz" wrap="square" lIns="0" tIns="45720" rIns="0" bIns="45720" numCol="1" spcCol="0" rtlCol="0" fromWordArt="0" anchor="ctr" anchorCtr="0" forceAA="0" compatLnSpc="1">
+            <a:prstTxWarp prst="textNoShape">
+              <a:avLst/>
+            </a:prstTxWarp>
+            <a:noAutofit/>
+          </a:bodyPr>
+          <a:lstStyle/>
+          <a:p>
+            <a:pPr algn="ctr"/>
+            <a:r>
+              <a:rPr lang="de-DE" sz="1000" b="1" dirty="0" smtClean="0">
+                <a:solidFill>
+                  <a:schemeClr val="tx1"/>
+                </a:solidFill>
+              </a:rPr>
+              <a:t>Case Instance:</a:t>
+            </a:r>
+          </a:p>
+          <a:p>
+            <a:pPr algn="ctr"/>
+            <a:r>
+              <a:rPr lang="de-DE" sz="1000" b="1" dirty="0" smtClean="0">
+                <a:solidFill>
+                  <a:schemeClr val="tx1"/>
+                </a:solidFill>
+              </a:rPr>
+              <a:t>COMPLETED</a:t>
+            </a:r>
+            <a:endParaRPr lang="de-DE" sz="1000" b="1" dirty="0">
+              <a:solidFill>
+                <a:schemeClr val="tx1"/>
+              </a:solidFill>
+            </a:endParaRPr>
+          </a:p>
+        </p:txBody>
+      </p:sp>
+      <p:sp>
+        <p:nvSpPr>
+          <p:cNvPr id="12" name="Rechteck 11"/>
+          <p:cNvSpPr/>
+          <p:nvPr/>
+        </p:nvSpPr>
+        <p:spPr>
+          <a:xfrm>
+            <a:off x="3275856" y="1820821"/>
+            <a:ext cx="864096" cy="384043"/>
+          </a:xfrm>
+          <a:prstGeom prst="rect">
+            <a:avLst/>
+          </a:prstGeom>
+          <a:solidFill>
+            <a:schemeClr val="bg1"/>
+          </a:solidFill>
+        </p:spPr>
+        <p:style>
+          <a:lnRef idx="2">
+            <a:schemeClr val="accent1">
+              <a:shade val="50000"/>
+            </a:schemeClr>
+          </a:lnRef>
+          <a:fillRef idx="1">
+            <a:schemeClr val="accent1"/>
+          </a:fillRef>
+          <a:effectRef idx="0">
+            <a:schemeClr val="accent1"/>
+          </a:effectRef>
+          <a:fontRef idx="minor">
+            <a:schemeClr val="lt1"/>
+          </a:fontRef>
+        </p:style>
+        <p:txBody>
+          <a:bodyPr rot="0" spcFirstLastPara="0" vertOverflow="overflow" horzOverflow="overflow" vert="horz" wrap="square" lIns="0" tIns="45720" rIns="0" bIns="45720" numCol="1" spcCol="0" rtlCol="0" fromWordArt="0" anchor="ctr" anchorCtr="0" forceAA="0" compatLnSpc="1">
+            <a:prstTxWarp prst="textNoShape">
+              <a:avLst/>
+            </a:prstTxWarp>
+            <a:noAutofit/>
+          </a:bodyPr>
+          <a:lstStyle/>
+          <a:p>
+            <a:pPr algn="ctr"/>
+            <a:r>
+              <a:rPr lang="de-DE" sz="1000" b="1" dirty="0" smtClean="0">
+                <a:solidFill>
+                  <a:schemeClr val="tx1"/>
+                </a:solidFill>
+              </a:rPr>
+              <a:t>Task B:</a:t>
+            </a:r>
+          </a:p>
+          <a:p>
+            <a:pPr algn="ctr"/>
+            <a:r>
+              <a:rPr lang="de-DE" sz="1000" b="1" dirty="0" smtClean="0">
+                <a:solidFill>
+                  <a:schemeClr val="tx1"/>
+                </a:solidFill>
+              </a:rPr>
+              <a:t>COMPLETED</a:t>
+            </a:r>
+            <a:endParaRPr lang="de-DE" sz="1000" b="1" dirty="0">
+              <a:solidFill>
+                <a:schemeClr val="tx1"/>
+              </a:solidFill>
+            </a:endParaRPr>
+          </a:p>
+        </p:txBody>
+      </p:sp>
+      <p:cxnSp>
+        <p:nvCxnSpPr>
+          <p:cNvPr id="13" name="Gerade Verbindung mit Pfeil 12"/>
+          <p:cNvCxnSpPr/>
+          <p:nvPr/>
+        </p:nvCxnSpPr>
+        <p:spPr>
+          <a:xfrm flipV="1">
+            <a:off x="2699792" y="1580795"/>
+            <a:ext cx="288032" cy="240026"/>
+          </a:xfrm>
+          <a:prstGeom prst="straightConnector1">
+            <a:avLst/>
+          </a:prstGeom>
+          <a:ln>
+            <a:tailEnd type="triangle"/>
+          </a:ln>
+        </p:spPr>
+        <p:style>
+          <a:lnRef idx="1">
+            <a:schemeClr val="accent1"/>
+          </a:lnRef>
+          <a:fillRef idx="0">
+            <a:schemeClr val="accent1"/>
+          </a:fillRef>
+          <a:effectRef idx="0">
+            <a:schemeClr val="accent1"/>
+          </a:effectRef>
+          <a:fontRef idx="minor">
+            <a:schemeClr val="tx1"/>
+          </a:fontRef>
+        </p:style>
+      </p:cxnSp>
+      <p:cxnSp>
+        <p:nvCxnSpPr>
+          <p:cNvPr id="14" name="Gerade Verbindung mit Pfeil 13"/>
+          <p:cNvCxnSpPr/>
+          <p:nvPr/>
+        </p:nvCxnSpPr>
+        <p:spPr>
+          <a:xfrm flipH="1" flipV="1">
+            <a:off x="3275856" y="1580795"/>
+            <a:ext cx="288032" cy="240026"/>
+          </a:xfrm>
+          <a:prstGeom prst="straightConnector1">
+            <a:avLst/>
+          </a:prstGeom>
+          <a:ln>
+            <a:tailEnd type="triangle"/>
+          </a:ln>
+        </p:spPr>
+        <p:style>
+          <a:lnRef idx="1">
+            <a:schemeClr val="accent1"/>
+          </a:lnRef>
+          <a:fillRef idx="0">
+            <a:schemeClr val="accent1"/>
+          </a:fillRef>
+          <a:effectRef idx="0">
+            <a:schemeClr val="accent1"/>
+          </a:effectRef>
+          <a:fontRef idx="minor">
+            <a:schemeClr val="tx1"/>
+          </a:fontRef>
+        </p:style>
+      </p:cxnSp>
+    </p:spTree>
+    <p:extLst>
+      <p:ext uri="{BB962C8B-B14F-4D97-AF65-F5344CB8AC3E}">
+        <p14:creationId xmlns:p14="http://schemas.microsoft.com/office/powerpoint/2010/main" val="3078619987"/>
+      </p:ext>
+    </p:extLst>
+  </p:cSld>
+  <p:clrMapOvr>
+    <a:masterClrMapping/>
+  </p:clrMapOvr>
+  <p:timing>
+    <p:tnLst>
+      <p:par>
+        <p:cTn id="1" dur="indefinite" restart="never" nodeType="tmRoot"/>
+      </p:par>
+    </p:tnLst>
+  </p:timing>
 </p:sld>
 </file>
 

--- a/develop/drawings/CaseLifeCycles.pptx
+++ b/develop/drawings/CaseLifeCycles.pptx
@@ -310,7 +310,7 @@
           <a:p>
             <a:fld id="{53456102-AF98-4902-8B3F-7190DD0573D9}" type="datetimeFigureOut">
               <a:rPr lang="de-DE" smtClean="0"/>
-              <a:t>01.12.2014</a:t>
+              <a:t>03.12.2014</a:t>
             </a:fld>
             <a:endParaRPr lang="de-DE"/>
           </a:p>
@@ -480,7 +480,7 @@
           <a:p>
             <a:fld id="{53456102-AF98-4902-8B3F-7190DD0573D9}" type="datetimeFigureOut">
               <a:rPr lang="de-DE" smtClean="0"/>
-              <a:t>01.12.2014</a:t>
+              <a:t>03.12.2014</a:t>
             </a:fld>
             <a:endParaRPr lang="de-DE"/>
           </a:p>
@@ -660,7 +660,7 @@
           <a:p>
             <a:fld id="{53456102-AF98-4902-8B3F-7190DD0573D9}" type="datetimeFigureOut">
               <a:rPr lang="de-DE" smtClean="0"/>
-              <a:t>01.12.2014</a:t>
+              <a:t>03.12.2014</a:t>
             </a:fld>
             <a:endParaRPr lang="de-DE"/>
           </a:p>
@@ -830,7 +830,7 @@
           <a:p>
             <a:fld id="{53456102-AF98-4902-8B3F-7190DD0573D9}" type="datetimeFigureOut">
               <a:rPr lang="de-DE" smtClean="0"/>
-              <a:t>01.12.2014</a:t>
+              <a:t>03.12.2014</a:t>
             </a:fld>
             <a:endParaRPr lang="de-DE"/>
           </a:p>
@@ -1076,7 +1076,7 @@
           <a:p>
             <a:fld id="{53456102-AF98-4902-8B3F-7190DD0573D9}" type="datetimeFigureOut">
               <a:rPr lang="de-DE" smtClean="0"/>
-              <a:t>01.12.2014</a:t>
+              <a:t>03.12.2014</a:t>
             </a:fld>
             <a:endParaRPr lang="de-DE"/>
           </a:p>
@@ -1364,7 +1364,7 @@
           <a:p>
             <a:fld id="{53456102-AF98-4902-8B3F-7190DD0573D9}" type="datetimeFigureOut">
               <a:rPr lang="de-DE" smtClean="0"/>
-              <a:t>01.12.2014</a:t>
+              <a:t>03.12.2014</a:t>
             </a:fld>
             <a:endParaRPr lang="de-DE"/>
           </a:p>
@@ -1786,7 +1786,7 @@
           <a:p>
             <a:fld id="{53456102-AF98-4902-8B3F-7190DD0573D9}" type="datetimeFigureOut">
               <a:rPr lang="de-DE" smtClean="0"/>
-              <a:t>01.12.2014</a:t>
+              <a:t>03.12.2014</a:t>
             </a:fld>
             <a:endParaRPr lang="de-DE"/>
           </a:p>
@@ -1904,7 +1904,7 @@
           <a:p>
             <a:fld id="{53456102-AF98-4902-8B3F-7190DD0573D9}" type="datetimeFigureOut">
               <a:rPr lang="de-DE" smtClean="0"/>
-              <a:t>01.12.2014</a:t>
+              <a:t>03.12.2014</a:t>
             </a:fld>
             <a:endParaRPr lang="de-DE"/>
           </a:p>
@@ -1999,7 +1999,7 @@
           <a:p>
             <a:fld id="{53456102-AF98-4902-8B3F-7190DD0573D9}" type="datetimeFigureOut">
               <a:rPr lang="de-DE" smtClean="0"/>
-              <a:t>01.12.2014</a:t>
+              <a:t>03.12.2014</a:t>
             </a:fld>
             <a:endParaRPr lang="de-DE"/>
           </a:p>
@@ -2276,7 +2276,7 @@
           <a:p>
             <a:fld id="{53456102-AF98-4902-8B3F-7190DD0573D9}" type="datetimeFigureOut">
               <a:rPr lang="de-DE" smtClean="0"/>
-              <a:t>01.12.2014</a:t>
+              <a:t>03.12.2014</a:t>
             </a:fld>
             <a:endParaRPr lang="de-DE"/>
           </a:p>
@@ -2529,7 +2529,7 @@
           <a:p>
             <a:fld id="{53456102-AF98-4902-8B3F-7190DD0573D9}" type="datetimeFigureOut">
               <a:rPr lang="de-DE" smtClean="0"/>
-              <a:t>01.12.2014</a:t>
+              <a:t>03.12.2014</a:t>
             </a:fld>
             <a:endParaRPr lang="de-DE"/>
           </a:p>
@@ -2742,7 +2742,7 @@
           <a:p>
             <a:fld id="{53456102-AF98-4902-8B3F-7190DD0573D9}" type="datetimeFigureOut">
               <a:rPr lang="de-DE" smtClean="0"/>
-              <a:t>01.12.2014</a:t>
+              <a:t>03.12.2014</a:t>
             </a:fld>
             <a:endParaRPr lang="de-DE"/>
           </a:p>
@@ -4603,9 +4603,7 @@
           </a:prstGeom>
           <a:ln w="12700">
             <a:solidFill>
-              <a:schemeClr val="bg1">
-                <a:lumMod val="65000"/>
-              </a:schemeClr>
+              <a:schemeClr val="tx1"/>
             </a:solidFill>
             <a:headEnd type="arrow" w="med" len="med"/>
             <a:tailEnd type="none" w="med" len="med"/>
@@ -5061,13 +5059,7 @@
               <a:defRPr lang="de-DE"/>
             </a:defPPr>
             <a:lvl1pPr>
-              <a:defRPr sz="1200">
-                <a:solidFill>
-                  <a:schemeClr val="bg1">
-                    <a:lumMod val="50000"/>
-                  </a:schemeClr>
-                </a:solidFill>
-              </a:defRPr>
+              <a:defRPr sz="1200"/>
             </a:lvl1pPr>
           </a:lstStyle>
           <a:p>

--- a/develop/drawings/CaseLifeCycles.pptx
+++ b/develop/drawings/CaseLifeCycles.pptx
@@ -167,10 +167,9 @@
           <a:lstStyle/>
           <a:p>
             <a:r>
-              <a:rPr lang="de-DE" smtClean="0"/>
+              <a:rPr lang="de-DE"/>
               <a:t>Titelmasterformat durch Klicken bearbeiten</a:t>
             </a:r>
-            <a:endParaRPr lang="de-DE"/>
           </a:p>
         </p:txBody>
       </p:sp>
@@ -286,10 +285,9 @@
           </a:lstStyle>
           <a:p>
             <a:r>
-              <a:rPr lang="de-DE" smtClean="0"/>
+              <a:rPr lang="de-DE"/>
               <a:t>Formatvorlage des Untertitelmasters durch Klicken bearbeiten</a:t>
             </a:r>
-            <a:endParaRPr lang="de-DE"/>
           </a:p>
         </p:txBody>
       </p:sp>
@@ -310,7 +308,7 @@
           <a:p>
             <a:fld id="{53456102-AF98-4902-8B3F-7190DD0573D9}" type="datetimeFigureOut">
               <a:rPr lang="de-DE" smtClean="0"/>
-              <a:t>03.12.2014</a:t>
+              <a:t>08.08.2016</a:t>
             </a:fld>
             <a:endParaRPr lang="de-DE"/>
           </a:p>
@@ -352,7 +350,7 @@
           <a:p>
             <a:fld id="{67FDEFD1-54BE-431D-8603-D353FAA53F7D}" type="slidenum">
               <a:rPr lang="de-DE" smtClean="0"/>
-              <a:t>‹Nr.›</a:t>
+              <a:t>‹#›</a:t>
             </a:fld>
             <a:endParaRPr lang="de-DE"/>
           </a:p>
@@ -404,10 +402,9 @@
           <a:lstStyle/>
           <a:p>
             <a:r>
-              <a:rPr lang="de-DE" smtClean="0"/>
+              <a:rPr lang="de-DE"/>
               <a:t>Titelmasterformat durch Klicken bearbeiten</a:t>
             </a:r>
-            <a:endParaRPr lang="de-DE"/>
           </a:p>
         </p:txBody>
       </p:sp>
@@ -428,38 +425,37 @@
           <a:p>
             <a:pPr lvl="0"/>
             <a:r>
-              <a:rPr lang="de-DE" smtClean="0"/>
+              <a:rPr lang="de-DE"/>
               <a:t>Textmasterformat bearbeiten</a:t>
             </a:r>
           </a:p>
           <a:p>
             <a:pPr lvl="1"/>
             <a:r>
-              <a:rPr lang="de-DE" smtClean="0"/>
+              <a:rPr lang="de-DE"/>
               <a:t>Zweite Ebene</a:t>
             </a:r>
           </a:p>
           <a:p>
             <a:pPr lvl="2"/>
             <a:r>
-              <a:rPr lang="de-DE" smtClean="0"/>
+              <a:rPr lang="de-DE"/>
               <a:t>Dritte Ebene</a:t>
             </a:r>
           </a:p>
           <a:p>
             <a:pPr lvl="3"/>
             <a:r>
-              <a:rPr lang="de-DE" smtClean="0"/>
+              <a:rPr lang="de-DE"/>
               <a:t>Vierte Ebene</a:t>
             </a:r>
           </a:p>
           <a:p>
             <a:pPr lvl="4"/>
             <a:r>
-              <a:rPr lang="de-DE" smtClean="0"/>
+              <a:rPr lang="de-DE"/>
               <a:t>Fünfte Ebene</a:t>
             </a:r>
-            <a:endParaRPr lang="de-DE"/>
           </a:p>
         </p:txBody>
       </p:sp>
@@ -480,7 +476,7 @@
           <a:p>
             <a:fld id="{53456102-AF98-4902-8B3F-7190DD0573D9}" type="datetimeFigureOut">
               <a:rPr lang="de-DE" smtClean="0"/>
-              <a:t>03.12.2014</a:t>
+              <a:t>08.08.2016</a:t>
             </a:fld>
             <a:endParaRPr lang="de-DE"/>
           </a:p>
@@ -522,7 +518,7 @@
           <a:p>
             <a:fld id="{67FDEFD1-54BE-431D-8603-D353FAA53F7D}" type="slidenum">
               <a:rPr lang="de-DE" smtClean="0"/>
-              <a:t>‹Nr.›</a:t>
+              <a:t>‹#›</a:t>
             </a:fld>
             <a:endParaRPr lang="de-DE"/>
           </a:p>
@@ -579,10 +575,9 @@
           <a:lstStyle/>
           <a:p>
             <a:r>
-              <a:rPr lang="de-DE" smtClean="0"/>
+              <a:rPr lang="de-DE"/>
               <a:t>Titelmasterformat durch Klicken bearbeiten</a:t>
             </a:r>
-            <a:endParaRPr lang="de-DE"/>
           </a:p>
         </p:txBody>
       </p:sp>
@@ -608,38 +603,37 @@
           <a:p>
             <a:pPr lvl="0"/>
             <a:r>
-              <a:rPr lang="de-DE" smtClean="0"/>
+              <a:rPr lang="de-DE"/>
               <a:t>Textmasterformat bearbeiten</a:t>
             </a:r>
           </a:p>
           <a:p>
             <a:pPr lvl="1"/>
             <a:r>
-              <a:rPr lang="de-DE" smtClean="0"/>
+              <a:rPr lang="de-DE"/>
               <a:t>Zweite Ebene</a:t>
             </a:r>
           </a:p>
           <a:p>
             <a:pPr lvl="2"/>
             <a:r>
-              <a:rPr lang="de-DE" smtClean="0"/>
+              <a:rPr lang="de-DE"/>
               <a:t>Dritte Ebene</a:t>
             </a:r>
           </a:p>
           <a:p>
             <a:pPr lvl="3"/>
             <a:r>
-              <a:rPr lang="de-DE" smtClean="0"/>
+              <a:rPr lang="de-DE"/>
               <a:t>Vierte Ebene</a:t>
             </a:r>
           </a:p>
           <a:p>
             <a:pPr lvl="4"/>
             <a:r>
-              <a:rPr lang="de-DE" smtClean="0"/>
+              <a:rPr lang="de-DE"/>
               <a:t>Fünfte Ebene</a:t>
             </a:r>
-            <a:endParaRPr lang="de-DE"/>
           </a:p>
         </p:txBody>
       </p:sp>
@@ -660,7 +654,7 @@
           <a:p>
             <a:fld id="{53456102-AF98-4902-8B3F-7190DD0573D9}" type="datetimeFigureOut">
               <a:rPr lang="de-DE" smtClean="0"/>
-              <a:t>03.12.2014</a:t>
+              <a:t>08.08.2016</a:t>
             </a:fld>
             <a:endParaRPr lang="de-DE"/>
           </a:p>
@@ -702,7 +696,7 @@
           <a:p>
             <a:fld id="{67FDEFD1-54BE-431D-8603-D353FAA53F7D}" type="slidenum">
               <a:rPr lang="de-DE" smtClean="0"/>
-              <a:t>‹Nr.›</a:t>
+              <a:t>‹#›</a:t>
             </a:fld>
             <a:endParaRPr lang="de-DE"/>
           </a:p>
@@ -754,10 +748,9 @@
           <a:lstStyle/>
           <a:p>
             <a:r>
-              <a:rPr lang="de-DE" smtClean="0"/>
+              <a:rPr lang="de-DE"/>
               <a:t>Titelmasterformat durch Klicken bearbeiten</a:t>
             </a:r>
-            <a:endParaRPr lang="de-DE"/>
           </a:p>
         </p:txBody>
       </p:sp>
@@ -778,38 +771,37 @@
           <a:p>
             <a:pPr lvl="0"/>
             <a:r>
-              <a:rPr lang="de-DE" smtClean="0"/>
+              <a:rPr lang="de-DE"/>
               <a:t>Textmasterformat bearbeiten</a:t>
             </a:r>
           </a:p>
           <a:p>
             <a:pPr lvl="1"/>
             <a:r>
-              <a:rPr lang="de-DE" smtClean="0"/>
+              <a:rPr lang="de-DE"/>
               <a:t>Zweite Ebene</a:t>
             </a:r>
           </a:p>
           <a:p>
             <a:pPr lvl="2"/>
             <a:r>
-              <a:rPr lang="de-DE" smtClean="0"/>
+              <a:rPr lang="de-DE"/>
               <a:t>Dritte Ebene</a:t>
             </a:r>
           </a:p>
           <a:p>
             <a:pPr lvl="3"/>
             <a:r>
-              <a:rPr lang="de-DE" smtClean="0"/>
+              <a:rPr lang="de-DE"/>
               <a:t>Vierte Ebene</a:t>
             </a:r>
           </a:p>
           <a:p>
             <a:pPr lvl="4"/>
             <a:r>
-              <a:rPr lang="de-DE" smtClean="0"/>
+              <a:rPr lang="de-DE"/>
               <a:t>Fünfte Ebene</a:t>
             </a:r>
-            <a:endParaRPr lang="de-DE"/>
           </a:p>
         </p:txBody>
       </p:sp>
@@ -830,7 +822,7 @@
           <a:p>
             <a:fld id="{53456102-AF98-4902-8B3F-7190DD0573D9}" type="datetimeFigureOut">
               <a:rPr lang="de-DE" smtClean="0"/>
-              <a:t>03.12.2014</a:t>
+              <a:t>08.08.2016</a:t>
             </a:fld>
             <a:endParaRPr lang="de-DE"/>
           </a:p>
@@ -872,7 +864,7 @@
           <a:p>
             <a:fld id="{67FDEFD1-54BE-431D-8603-D353FAA53F7D}" type="slidenum">
               <a:rPr lang="de-DE" smtClean="0"/>
-              <a:t>‹Nr.›</a:t>
+              <a:t>‹#›</a:t>
             </a:fld>
             <a:endParaRPr lang="de-DE"/>
           </a:p>
@@ -933,10 +925,9 @@
           </a:lstStyle>
           <a:p>
             <a:r>
-              <a:rPr lang="de-DE" smtClean="0"/>
+              <a:rPr lang="de-DE"/>
               <a:t>Titelmasterformat durch Klicken bearbeiten</a:t>
             </a:r>
-            <a:endParaRPr lang="de-DE"/>
           </a:p>
         </p:txBody>
       </p:sp>
@@ -1053,7 +1044,7 @@
           <a:p>
             <a:pPr lvl="0"/>
             <a:r>
-              <a:rPr lang="de-DE" smtClean="0"/>
+              <a:rPr lang="de-DE"/>
               <a:t>Textmasterformat bearbeiten</a:t>
             </a:r>
           </a:p>
@@ -1076,7 +1067,7 @@
           <a:p>
             <a:fld id="{53456102-AF98-4902-8B3F-7190DD0573D9}" type="datetimeFigureOut">
               <a:rPr lang="de-DE" smtClean="0"/>
-              <a:t>03.12.2014</a:t>
+              <a:t>08.08.2016</a:t>
             </a:fld>
             <a:endParaRPr lang="de-DE"/>
           </a:p>
@@ -1118,7 +1109,7 @@
           <a:p>
             <a:fld id="{67FDEFD1-54BE-431D-8603-D353FAA53F7D}" type="slidenum">
               <a:rPr lang="de-DE" smtClean="0"/>
-              <a:t>‹Nr.›</a:t>
+              <a:t>‹#›</a:t>
             </a:fld>
             <a:endParaRPr lang="de-DE"/>
           </a:p>
@@ -1170,10 +1161,9 @@
           <a:lstStyle/>
           <a:p>
             <a:r>
-              <a:rPr lang="de-DE" smtClean="0"/>
+              <a:rPr lang="de-DE"/>
               <a:t>Titelmasterformat durch Klicken bearbeiten</a:t>
             </a:r>
-            <a:endParaRPr lang="de-DE"/>
           </a:p>
         </p:txBody>
       </p:sp>
@@ -1227,38 +1217,37 @@
           <a:p>
             <a:pPr lvl="0"/>
             <a:r>
-              <a:rPr lang="de-DE" smtClean="0"/>
+              <a:rPr lang="de-DE"/>
               <a:t>Textmasterformat bearbeiten</a:t>
             </a:r>
           </a:p>
           <a:p>
             <a:pPr lvl="1"/>
             <a:r>
-              <a:rPr lang="de-DE" smtClean="0"/>
+              <a:rPr lang="de-DE"/>
               <a:t>Zweite Ebene</a:t>
             </a:r>
           </a:p>
           <a:p>
             <a:pPr lvl="2"/>
             <a:r>
-              <a:rPr lang="de-DE" smtClean="0"/>
+              <a:rPr lang="de-DE"/>
               <a:t>Dritte Ebene</a:t>
             </a:r>
           </a:p>
           <a:p>
             <a:pPr lvl="3"/>
             <a:r>
-              <a:rPr lang="de-DE" smtClean="0"/>
+              <a:rPr lang="de-DE"/>
               <a:t>Vierte Ebene</a:t>
             </a:r>
           </a:p>
           <a:p>
             <a:pPr lvl="4"/>
             <a:r>
-              <a:rPr lang="de-DE" smtClean="0"/>
+              <a:rPr lang="de-DE"/>
               <a:t>Fünfte Ebene</a:t>
             </a:r>
-            <a:endParaRPr lang="de-DE"/>
           </a:p>
         </p:txBody>
       </p:sp>
@@ -1312,38 +1301,37 @@
           <a:p>
             <a:pPr lvl="0"/>
             <a:r>
-              <a:rPr lang="de-DE" smtClean="0"/>
+              <a:rPr lang="de-DE"/>
               <a:t>Textmasterformat bearbeiten</a:t>
             </a:r>
           </a:p>
           <a:p>
             <a:pPr lvl="1"/>
             <a:r>
-              <a:rPr lang="de-DE" smtClean="0"/>
+              <a:rPr lang="de-DE"/>
               <a:t>Zweite Ebene</a:t>
             </a:r>
           </a:p>
           <a:p>
             <a:pPr lvl="2"/>
             <a:r>
-              <a:rPr lang="de-DE" smtClean="0"/>
+              <a:rPr lang="de-DE"/>
               <a:t>Dritte Ebene</a:t>
             </a:r>
           </a:p>
           <a:p>
             <a:pPr lvl="3"/>
             <a:r>
-              <a:rPr lang="de-DE" smtClean="0"/>
+              <a:rPr lang="de-DE"/>
               <a:t>Vierte Ebene</a:t>
             </a:r>
           </a:p>
           <a:p>
             <a:pPr lvl="4"/>
             <a:r>
-              <a:rPr lang="de-DE" smtClean="0"/>
+              <a:rPr lang="de-DE"/>
               <a:t>Fünfte Ebene</a:t>
             </a:r>
-            <a:endParaRPr lang="de-DE"/>
           </a:p>
         </p:txBody>
       </p:sp>
@@ -1364,7 +1352,7 @@
           <a:p>
             <a:fld id="{53456102-AF98-4902-8B3F-7190DD0573D9}" type="datetimeFigureOut">
               <a:rPr lang="de-DE" smtClean="0"/>
-              <a:t>03.12.2014</a:t>
+              <a:t>08.08.2016</a:t>
             </a:fld>
             <a:endParaRPr lang="de-DE"/>
           </a:p>
@@ -1406,7 +1394,7 @@
           <a:p>
             <a:fld id="{67FDEFD1-54BE-431D-8603-D353FAA53F7D}" type="slidenum">
               <a:rPr lang="de-DE" smtClean="0"/>
-              <a:t>‹Nr.›</a:t>
+              <a:t>‹#›</a:t>
             </a:fld>
             <a:endParaRPr lang="de-DE"/>
           </a:p>
@@ -1462,10 +1450,9 @@
           </a:lstStyle>
           <a:p>
             <a:r>
-              <a:rPr lang="de-DE" smtClean="0"/>
+              <a:rPr lang="de-DE"/>
               <a:t>Titelmasterformat durch Klicken bearbeiten</a:t>
             </a:r>
-            <a:endParaRPr lang="de-DE"/>
           </a:p>
         </p:txBody>
       </p:sp>
@@ -1528,7 +1515,7 @@
           <a:p>
             <a:pPr lvl="0"/>
             <a:r>
-              <a:rPr lang="de-DE" smtClean="0"/>
+              <a:rPr lang="de-DE"/>
               <a:t>Textmasterformat bearbeiten</a:t>
             </a:r>
           </a:p>
@@ -1584,38 +1571,37 @@
           <a:p>
             <a:pPr lvl="0"/>
             <a:r>
-              <a:rPr lang="de-DE" smtClean="0"/>
+              <a:rPr lang="de-DE"/>
               <a:t>Textmasterformat bearbeiten</a:t>
             </a:r>
           </a:p>
           <a:p>
             <a:pPr lvl="1"/>
             <a:r>
-              <a:rPr lang="de-DE" smtClean="0"/>
+              <a:rPr lang="de-DE"/>
               <a:t>Zweite Ebene</a:t>
             </a:r>
           </a:p>
           <a:p>
             <a:pPr lvl="2"/>
             <a:r>
-              <a:rPr lang="de-DE" smtClean="0"/>
+              <a:rPr lang="de-DE"/>
               <a:t>Dritte Ebene</a:t>
             </a:r>
           </a:p>
           <a:p>
             <a:pPr lvl="3"/>
             <a:r>
-              <a:rPr lang="de-DE" smtClean="0"/>
+              <a:rPr lang="de-DE"/>
               <a:t>Vierte Ebene</a:t>
             </a:r>
           </a:p>
           <a:p>
             <a:pPr lvl="4"/>
             <a:r>
-              <a:rPr lang="de-DE" smtClean="0"/>
+              <a:rPr lang="de-DE"/>
               <a:t>Fünfte Ebene</a:t>
             </a:r>
-            <a:endParaRPr lang="de-DE"/>
           </a:p>
         </p:txBody>
       </p:sp>
@@ -1678,7 +1664,7 @@
           <a:p>
             <a:pPr lvl="0"/>
             <a:r>
-              <a:rPr lang="de-DE" smtClean="0"/>
+              <a:rPr lang="de-DE"/>
               <a:t>Textmasterformat bearbeiten</a:t>
             </a:r>
           </a:p>
@@ -1734,38 +1720,37 @@
           <a:p>
             <a:pPr lvl="0"/>
             <a:r>
-              <a:rPr lang="de-DE" smtClean="0"/>
+              <a:rPr lang="de-DE"/>
               <a:t>Textmasterformat bearbeiten</a:t>
             </a:r>
           </a:p>
           <a:p>
             <a:pPr lvl="1"/>
             <a:r>
-              <a:rPr lang="de-DE" smtClean="0"/>
+              <a:rPr lang="de-DE"/>
               <a:t>Zweite Ebene</a:t>
             </a:r>
           </a:p>
           <a:p>
             <a:pPr lvl="2"/>
             <a:r>
-              <a:rPr lang="de-DE" smtClean="0"/>
+              <a:rPr lang="de-DE"/>
               <a:t>Dritte Ebene</a:t>
             </a:r>
           </a:p>
           <a:p>
             <a:pPr lvl="3"/>
             <a:r>
-              <a:rPr lang="de-DE" smtClean="0"/>
+              <a:rPr lang="de-DE"/>
               <a:t>Vierte Ebene</a:t>
             </a:r>
           </a:p>
           <a:p>
             <a:pPr lvl="4"/>
             <a:r>
-              <a:rPr lang="de-DE" smtClean="0"/>
+              <a:rPr lang="de-DE"/>
               <a:t>Fünfte Ebene</a:t>
             </a:r>
-            <a:endParaRPr lang="de-DE"/>
           </a:p>
         </p:txBody>
       </p:sp>
@@ -1786,7 +1771,7 @@
           <a:p>
             <a:fld id="{53456102-AF98-4902-8B3F-7190DD0573D9}" type="datetimeFigureOut">
               <a:rPr lang="de-DE" smtClean="0"/>
-              <a:t>03.12.2014</a:t>
+              <a:t>08.08.2016</a:t>
             </a:fld>
             <a:endParaRPr lang="de-DE"/>
           </a:p>
@@ -1828,7 +1813,7 @@
           <a:p>
             <a:fld id="{67FDEFD1-54BE-431D-8603-D353FAA53F7D}" type="slidenum">
               <a:rPr lang="de-DE" smtClean="0"/>
-              <a:t>‹Nr.›</a:t>
+              <a:t>‹#›</a:t>
             </a:fld>
             <a:endParaRPr lang="de-DE"/>
           </a:p>
@@ -1880,10 +1865,9 @@
           <a:lstStyle/>
           <a:p>
             <a:r>
-              <a:rPr lang="de-DE" smtClean="0"/>
+              <a:rPr lang="de-DE"/>
               <a:t>Titelmasterformat durch Klicken bearbeiten</a:t>
             </a:r>
-            <a:endParaRPr lang="de-DE"/>
           </a:p>
         </p:txBody>
       </p:sp>
@@ -1904,7 +1888,7 @@
           <a:p>
             <a:fld id="{53456102-AF98-4902-8B3F-7190DD0573D9}" type="datetimeFigureOut">
               <a:rPr lang="de-DE" smtClean="0"/>
-              <a:t>03.12.2014</a:t>
+              <a:t>08.08.2016</a:t>
             </a:fld>
             <a:endParaRPr lang="de-DE"/>
           </a:p>
@@ -1946,7 +1930,7 @@
           <a:p>
             <a:fld id="{67FDEFD1-54BE-431D-8603-D353FAA53F7D}" type="slidenum">
               <a:rPr lang="de-DE" smtClean="0"/>
-              <a:t>‹Nr.›</a:t>
+              <a:t>‹#›</a:t>
             </a:fld>
             <a:endParaRPr lang="de-DE"/>
           </a:p>
@@ -1999,7 +1983,7 @@
           <a:p>
             <a:fld id="{53456102-AF98-4902-8B3F-7190DD0573D9}" type="datetimeFigureOut">
               <a:rPr lang="de-DE" smtClean="0"/>
-              <a:t>03.12.2014</a:t>
+              <a:t>08.08.2016</a:t>
             </a:fld>
             <a:endParaRPr lang="de-DE"/>
           </a:p>
@@ -2041,7 +2025,7 @@
           <a:p>
             <a:fld id="{67FDEFD1-54BE-431D-8603-D353FAA53F7D}" type="slidenum">
               <a:rPr lang="de-DE" smtClean="0"/>
-              <a:t>‹Nr.›</a:t>
+              <a:t>‹#›</a:t>
             </a:fld>
             <a:endParaRPr lang="de-DE"/>
           </a:p>
@@ -2102,10 +2086,9 @@
           </a:lstStyle>
           <a:p>
             <a:r>
-              <a:rPr lang="de-DE" smtClean="0"/>
+              <a:rPr lang="de-DE"/>
               <a:t>Titelmasterformat durch Klicken bearbeiten</a:t>
             </a:r>
-            <a:endParaRPr lang="de-DE"/>
           </a:p>
         </p:txBody>
       </p:sp>
@@ -2159,38 +2142,37 @@
           <a:p>
             <a:pPr lvl="0"/>
             <a:r>
-              <a:rPr lang="de-DE" smtClean="0"/>
+              <a:rPr lang="de-DE"/>
               <a:t>Textmasterformat bearbeiten</a:t>
             </a:r>
           </a:p>
           <a:p>
             <a:pPr lvl="1"/>
             <a:r>
-              <a:rPr lang="de-DE" smtClean="0"/>
+              <a:rPr lang="de-DE"/>
               <a:t>Zweite Ebene</a:t>
             </a:r>
           </a:p>
           <a:p>
             <a:pPr lvl="2"/>
             <a:r>
-              <a:rPr lang="de-DE" smtClean="0"/>
+              <a:rPr lang="de-DE"/>
               <a:t>Dritte Ebene</a:t>
             </a:r>
           </a:p>
           <a:p>
             <a:pPr lvl="3"/>
             <a:r>
-              <a:rPr lang="de-DE" smtClean="0"/>
+              <a:rPr lang="de-DE"/>
               <a:t>Vierte Ebene</a:t>
             </a:r>
           </a:p>
           <a:p>
             <a:pPr lvl="4"/>
             <a:r>
-              <a:rPr lang="de-DE" smtClean="0"/>
+              <a:rPr lang="de-DE"/>
               <a:t>Fünfte Ebene</a:t>
             </a:r>
-            <a:endParaRPr lang="de-DE"/>
           </a:p>
         </p:txBody>
       </p:sp>
@@ -2253,7 +2235,7 @@
           <a:p>
             <a:pPr lvl="0"/>
             <a:r>
-              <a:rPr lang="de-DE" smtClean="0"/>
+              <a:rPr lang="de-DE"/>
               <a:t>Textmasterformat bearbeiten</a:t>
             </a:r>
           </a:p>
@@ -2276,7 +2258,7 @@
           <a:p>
             <a:fld id="{53456102-AF98-4902-8B3F-7190DD0573D9}" type="datetimeFigureOut">
               <a:rPr lang="de-DE" smtClean="0"/>
-              <a:t>03.12.2014</a:t>
+              <a:t>08.08.2016</a:t>
             </a:fld>
             <a:endParaRPr lang="de-DE"/>
           </a:p>
@@ -2318,7 +2300,7 @@
           <a:p>
             <a:fld id="{67FDEFD1-54BE-431D-8603-D353FAA53F7D}" type="slidenum">
               <a:rPr lang="de-DE" smtClean="0"/>
-              <a:t>‹Nr.›</a:t>
+              <a:t>‹#›</a:t>
             </a:fld>
             <a:endParaRPr lang="de-DE"/>
           </a:p>
@@ -2379,10 +2361,9 @@
           </a:lstStyle>
           <a:p>
             <a:r>
-              <a:rPr lang="de-DE" smtClean="0"/>
+              <a:rPr lang="de-DE"/>
               <a:t>Titelmasterformat durch Klicken bearbeiten</a:t>
             </a:r>
-            <a:endParaRPr lang="de-DE"/>
           </a:p>
         </p:txBody>
       </p:sp>
@@ -2506,7 +2487,7 @@
           <a:p>
             <a:pPr lvl="0"/>
             <a:r>
-              <a:rPr lang="de-DE" smtClean="0"/>
+              <a:rPr lang="de-DE"/>
               <a:t>Textmasterformat bearbeiten</a:t>
             </a:r>
           </a:p>
@@ -2529,7 +2510,7 @@
           <a:p>
             <a:fld id="{53456102-AF98-4902-8B3F-7190DD0573D9}" type="datetimeFigureOut">
               <a:rPr lang="de-DE" smtClean="0"/>
-              <a:t>03.12.2014</a:t>
+              <a:t>08.08.2016</a:t>
             </a:fld>
             <a:endParaRPr lang="de-DE"/>
           </a:p>
@@ -2571,7 +2552,7 @@
           <a:p>
             <a:fld id="{67FDEFD1-54BE-431D-8603-D353FAA53F7D}" type="slidenum">
               <a:rPr lang="de-DE" smtClean="0"/>
-              <a:t>‹Nr.›</a:t>
+              <a:t>‹#›</a:t>
             </a:fld>
             <a:endParaRPr lang="de-DE"/>
           </a:p>
@@ -2638,10 +2619,9 @@
           <a:lstStyle/>
           <a:p>
             <a:r>
-              <a:rPr lang="de-DE" smtClean="0"/>
+              <a:rPr lang="de-DE"/>
               <a:t>Titelmasterformat durch Klicken bearbeiten</a:t>
             </a:r>
-            <a:endParaRPr lang="de-DE"/>
           </a:p>
         </p:txBody>
       </p:sp>
@@ -2672,38 +2652,37 @@
           <a:p>
             <a:pPr lvl="0"/>
             <a:r>
-              <a:rPr lang="de-DE" smtClean="0"/>
+              <a:rPr lang="de-DE"/>
               <a:t>Textmasterformat bearbeiten</a:t>
             </a:r>
           </a:p>
           <a:p>
             <a:pPr lvl="1"/>
             <a:r>
-              <a:rPr lang="de-DE" smtClean="0"/>
+              <a:rPr lang="de-DE"/>
               <a:t>Zweite Ebene</a:t>
             </a:r>
           </a:p>
           <a:p>
             <a:pPr lvl="2"/>
             <a:r>
-              <a:rPr lang="de-DE" smtClean="0"/>
+              <a:rPr lang="de-DE"/>
               <a:t>Dritte Ebene</a:t>
             </a:r>
           </a:p>
           <a:p>
             <a:pPr lvl="3"/>
             <a:r>
-              <a:rPr lang="de-DE" smtClean="0"/>
+              <a:rPr lang="de-DE"/>
               <a:t>Vierte Ebene</a:t>
             </a:r>
           </a:p>
           <a:p>
             <a:pPr lvl="4"/>
             <a:r>
-              <a:rPr lang="de-DE" smtClean="0"/>
+              <a:rPr lang="de-DE"/>
               <a:t>Fünfte Ebene</a:t>
             </a:r>
-            <a:endParaRPr lang="de-DE"/>
           </a:p>
         </p:txBody>
       </p:sp>
@@ -2742,7 +2721,7 @@
           <a:p>
             <a:fld id="{53456102-AF98-4902-8B3F-7190DD0573D9}" type="datetimeFigureOut">
               <a:rPr lang="de-DE" smtClean="0"/>
-              <a:t>03.12.2014</a:t>
+              <a:t>08.08.2016</a:t>
             </a:fld>
             <a:endParaRPr lang="de-DE"/>
           </a:p>
@@ -2820,7 +2799,7 @@
           <a:p>
             <a:fld id="{67FDEFD1-54BE-431D-8603-D353FAA53F7D}" type="slidenum">
               <a:rPr lang="de-DE" smtClean="0"/>
-              <a:t>‹Nr.›</a:t>
+              <a:t>‹#›</a:t>
             </a:fld>
             <a:endParaRPr lang="de-DE"/>
           </a:p>
@@ -3162,18 +3141,13 @@
           <a:p>
             <a:pPr algn="ctr"/>
             <a:r>
-              <a:rPr lang="de-DE" sz="1000" b="1" dirty="0" smtClean="0">
+              <a:rPr lang="de-DE" sz="1000" b="1">
                 <a:solidFill>
                   <a:schemeClr val="tx1"/>
                 </a:solidFill>
               </a:rPr>
               <a:t>ACTIVE</a:t>
             </a:r>
-            <a:endParaRPr lang="de-DE" sz="1000" b="1" dirty="0">
-              <a:solidFill>
-                <a:schemeClr val="tx1"/>
-              </a:solidFill>
-            </a:endParaRPr>
           </a:p>
         </p:txBody>
       </p:sp>
@@ -3213,7 +3187,7 @@
           <a:lstStyle/>
           <a:p>
             <a:pPr algn="ctr"/>
-            <a:endParaRPr lang="de-DE" dirty="0"/>
+            <a:endParaRPr lang="de-DE"/>
           </a:p>
         </p:txBody>
       </p:sp>
@@ -3261,7 +3235,7 @@
           <a:lstStyle/>
           <a:p>
             <a:pPr algn="r"/>
-            <a:endParaRPr lang="de-DE" dirty="0"/>
+            <a:endParaRPr lang="de-DE"/>
           </a:p>
         </p:txBody>
       </p:sp>
@@ -3310,18 +3284,13 @@
           <a:p>
             <a:pPr algn="ctr"/>
             <a:r>
-              <a:rPr lang="de-DE" sz="1000" b="1" dirty="0" smtClean="0">
+              <a:rPr lang="de-DE" sz="1000" b="1">
                 <a:solidFill>
                   <a:schemeClr val="tx1"/>
                 </a:solidFill>
               </a:rPr>
               <a:t>COMPLETED</a:t>
             </a:r>
-            <a:endParaRPr lang="de-DE" sz="1000" b="1" dirty="0">
-              <a:solidFill>
-                <a:schemeClr val="tx1"/>
-              </a:solidFill>
-            </a:endParaRPr>
           </a:p>
         </p:txBody>
       </p:sp>
@@ -3414,18 +3383,13 @@
           <a:p>
             <a:pPr algn="ctr"/>
             <a:r>
-              <a:rPr lang="de-DE" sz="1000" b="1" dirty="0" smtClean="0">
+              <a:rPr lang="de-DE" sz="1000" b="1">
                 <a:solidFill>
                   <a:schemeClr val="tx1"/>
                 </a:solidFill>
               </a:rPr>
               <a:t>TERMINATED</a:t>
             </a:r>
-            <a:endParaRPr lang="de-DE" sz="1000" b="1" dirty="0">
-              <a:solidFill>
-                <a:schemeClr val="tx1"/>
-              </a:solidFill>
-            </a:endParaRPr>
           </a:p>
         </p:txBody>
       </p:sp>
@@ -3483,18 +3447,13 @@
           <a:p>
             <a:pPr algn="ctr"/>
             <a:r>
-              <a:rPr lang="de-DE" sz="1000" b="1" dirty="0" smtClean="0">
+              <a:rPr lang="de-DE" sz="1000" b="1">
                 <a:solidFill>
                   <a:schemeClr val="tx1"/>
                 </a:solidFill>
               </a:rPr>
               <a:t>FAILED</a:t>
             </a:r>
-            <a:endParaRPr lang="de-DE" sz="1000" b="1" dirty="0">
-              <a:solidFill>
-                <a:schemeClr val="tx1"/>
-              </a:solidFill>
-            </a:endParaRPr>
           </a:p>
         </p:txBody>
       </p:sp>
@@ -3552,7 +3511,7 @@
           <a:p>
             <a:pPr algn="ctr"/>
             <a:r>
-              <a:rPr lang="de-DE" sz="1000" b="1" dirty="0">
+              <a:rPr lang="de-DE" sz="1000" b="1">
                 <a:solidFill>
                   <a:schemeClr val="tx1"/>
                 </a:solidFill>
@@ -3606,7 +3565,7 @@
           <a:lstStyle/>
           <a:p>
             <a:pPr algn="r"/>
-            <a:endParaRPr lang="de-DE" dirty="0"/>
+            <a:endParaRPr lang="de-DE"/>
           </a:p>
         </p:txBody>
       </p:sp>
@@ -3654,7 +3613,7 @@
           <a:lstStyle/>
           <a:p>
             <a:pPr algn="r"/>
-            <a:endParaRPr lang="de-DE" dirty="0"/>
+            <a:endParaRPr lang="de-DE"/>
           </a:p>
         </p:txBody>
       </p:sp>
@@ -3704,7 +3663,7 @@
           <a:lstStyle/>
           <a:p>
             <a:pPr algn="r"/>
-            <a:endParaRPr lang="de-DE" dirty="0"/>
+            <a:endParaRPr lang="de-DE"/>
           </a:p>
         </p:txBody>
       </p:sp>
@@ -3754,7 +3713,7 @@
           <a:lstStyle/>
           <a:p>
             <a:pPr algn="r"/>
-            <a:endParaRPr lang="de-DE" dirty="0"/>
+            <a:endParaRPr lang="de-DE"/>
           </a:p>
         </p:txBody>
       </p:sp>
@@ -3804,7 +3763,7 @@
           <a:lstStyle/>
           <a:p>
             <a:pPr algn="r"/>
-            <a:endParaRPr lang="de-DE" dirty="0"/>
+            <a:endParaRPr lang="de-DE"/>
           </a:p>
         </p:txBody>
       </p:sp>
@@ -3853,18 +3812,13 @@
           <a:p>
             <a:pPr algn="ctr"/>
             <a:r>
-              <a:rPr lang="de-DE" sz="1000" b="1" dirty="0" smtClean="0">
+              <a:rPr lang="de-DE" sz="1000" b="1">
                 <a:solidFill>
                   <a:schemeClr val="tx1"/>
                 </a:solidFill>
               </a:rPr>
               <a:t>CLOSED</a:t>
             </a:r>
-            <a:endParaRPr lang="de-DE" sz="1000" b="1" dirty="0">
-              <a:solidFill>
-                <a:schemeClr val="tx1"/>
-              </a:solidFill>
-            </a:endParaRPr>
           </a:p>
         </p:txBody>
       </p:sp>
@@ -3912,7 +3866,7 @@
           <a:lstStyle/>
           <a:p>
             <a:pPr algn="r"/>
-            <a:endParaRPr lang="de-DE" dirty="0"/>
+            <a:endParaRPr lang="de-DE"/>
           </a:p>
         </p:txBody>
       </p:sp>
@@ -3939,10 +3893,10 @@
           <a:lstStyle/>
           <a:p>
             <a:r>
-              <a:rPr lang="de-DE" sz="1200" dirty="0" err="1" smtClean="0"/>
+              <a:rPr lang="de-DE" sz="1200" err="1"/>
               <a:t>re-activate</a:t>
             </a:r>
-            <a:endParaRPr lang="de-DE" sz="1200" dirty="0"/>
+            <a:endParaRPr lang="de-DE" sz="1200"/>
           </a:p>
         </p:txBody>
       </p:sp>
@@ -3969,10 +3923,10 @@
           <a:lstStyle/>
           <a:p>
             <a:r>
-              <a:rPr lang="de-DE" sz="1200" dirty="0" err="1" smtClean="0"/>
+              <a:rPr lang="de-DE" sz="1200" err="1"/>
               <a:t>close</a:t>
             </a:r>
-            <a:endParaRPr lang="de-DE" sz="1200" dirty="0"/>
+            <a:endParaRPr lang="de-DE" sz="1200"/>
           </a:p>
         </p:txBody>
       </p:sp>
@@ -3999,7 +3953,7 @@
           <a:lstStyle/>
           <a:p>
             <a:r>
-              <a:rPr lang="de-DE" sz="1200" dirty="0" err="1" smtClean="0">
+              <a:rPr lang="de-DE" sz="1200" err="1">
                 <a:solidFill>
                   <a:schemeClr val="bg1">
                     <a:lumMod val="50000"/>
@@ -4008,7 +3962,7 @@
               </a:rPr>
               <a:t>suspend</a:t>
             </a:r>
-            <a:endParaRPr lang="de-DE" sz="1200" dirty="0">
+            <a:endParaRPr lang="de-DE" sz="1200">
               <a:solidFill>
                 <a:schemeClr val="bg1">
                   <a:lumMod val="50000"/>
@@ -4041,7 +3995,7 @@
           <a:lstStyle/>
           <a:p>
             <a:r>
-              <a:rPr lang="de-DE" sz="1200" dirty="0" smtClean="0">
+              <a:rPr lang="de-DE" sz="1200">
                 <a:solidFill>
                   <a:schemeClr val="bg1">
                     <a:lumMod val="50000"/>
@@ -4050,13 +4004,6 @@
               </a:rPr>
               <a:t>fault</a:t>
             </a:r>
-            <a:endParaRPr lang="de-DE" sz="1200" dirty="0">
-              <a:solidFill>
-                <a:schemeClr val="bg1">
-                  <a:lumMod val="50000"/>
-                </a:schemeClr>
-              </a:solidFill>
-            </a:endParaRPr>
           </a:p>
         </p:txBody>
       </p:sp>
@@ -4083,10 +4030,10 @@
           <a:lstStyle/>
           <a:p>
             <a:r>
-              <a:rPr lang="de-DE" sz="1200" dirty="0" err="1" smtClean="0"/>
+              <a:rPr lang="de-DE" sz="1200" err="1"/>
               <a:t>terminate</a:t>
             </a:r>
-            <a:endParaRPr lang="de-DE" sz="1200" dirty="0"/>
+            <a:endParaRPr lang="de-DE" sz="1200"/>
           </a:p>
         </p:txBody>
       </p:sp>
@@ -4113,10 +4060,10 @@
           <a:lstStyle/>
           <a:p>
             <a:r>
-              <a:rPr lang="de-DE" sz="1200" dirty="0" err="1" smtClean="0"/>
+              <a:rPr lang="de-DE" sz="1200" err="1"/>
               <a:t>complete</a:t>
             </a:r>
-            <a:endParaRPr lang="de-DE" sz="1200" dirty="0"/>
+            <a:endParaRPr lang="de-DE" sz="1200"/>
           </a:p>
         </p:txBody>
       </p:sp>
@@ -4143,10 +4090,10 @@
           <a:lstStyle/>
           <a:p>
             <a:r>
-              <a:rPr lang="de-DE" sz="1200" dirty="0" err="1" smtClean="0"/>
+              <a:rPr lang="de-DE" sz="1200" err="1"/>
               <a:t>create</a:t>
             </a:r>
-            <a:endParaRPr lang="de-DE" sz="1200" dirty="0"/>
+            <a:endParaRPr lang="de-DE" sz="1200"/>
           </a:p>
         </p:txBody>
       </p:sp>
@@ -4160,13 +4107,6 @@
   <p:clrMapOvr>
     <a:masterClrMapping/>
   </p:clrMapOvr>
-  <p:timing>
-    <p:tnLst>
-      <p:par>
-        <p:cTn id="1" dur="indefinite" restart="never" nodeType="tmRoot"/>
-      </p:par>
-    </p:tnLst>
-  </p:timing>
 </p:sld>
 </file>
 
@@ -4232,18 +4172,13 @@
           <a:p>
             <a:pPr algn="ctr"/>
             <a:r>
-              <a:rPr lang="de-DE" sz="1000" b="1" dirty="0" smtClean="0">
+              <a:rPr lang="de-DE" sz="1000" b="1">
                 <a:solidFill>
                   <a:schemeClr val="tx1"/>
                 </a:solidFill>
               </a:rPr>
               <a:t>AVAILABLE</a:t>
             </a:r>
-            <a:endParaRPr lang="de-DE" sz="1000" b="1" dirty="0">
-              <a:solidFill>
-                <a:schemeClr val="tx1"/>
-              </a:solidFill>
-            </a:endParaRPr>
           </a:p>
         </p:txBody>
       </p:sp>
@@ -4283,7 +4218,7 @@
           <a:lstStyle/>
           <a:p>
             <a:pPr algn="ctr"/>
-            <a:endParaRPr lang="de-DE" dirty="0"/>
+            <a:endParaRPr lang="de-DE"/>
           </a:p>
         </p:txBody>
       </p:sp>
@@ -4332,18 +4267,13 @@
           <a:p>
             <a:pPr algn="ctr"/>
             <a:r>
-              <a:rPr lang="de-DE" sz="1000" b="1" dirty="0" smtClean="0">
+              <a:rPr lang="de-DE" sz="1000" b="1">
                 <a:solidFill>
                   <a:schemeClr val="tx1"/>
                 </a:solidFill>
               </a:rPr>
               <a:t>TERMINATED</a:t>
             </a:r>
-            <a:endParaRPr lang="de-DE" sz="1000" b="1" dirty="0">
-              <a:solidFill>
-                <a:schemeClr val="tx1"/>
-              </a:solidFill>
-            </a:endParaRPr>
           </a:p>
         </p:txBody>
       </p:sp>
@@ -4436,18 +4366,13 @@
           <a:p>
             <a:pPr algn="ctr"/>
             <a:r>
-              <a:rPr lang="de-DE" sz="1000" b="1" dirty="0" smtClean="0">
+              <a:rPr lang="de-DE" sz="1000" b="1">
                 <a:solidFill>
                   <a:schemeClr val="tx1"/>
                 </a:solidFill>
               </a:rPr>
               <a:t>ENABLED</a:t>
             </a:r>
-            <a:endParaRPr lang="de-DE" sz="1000" b="1" dirty="0">
-              <a:solidFill>
-                <a:schemeClr val="tx1"/>
-              </a:solidFill>
-            </a:endParaRPr>
           </a:p>
         </p:txBody>
       </p:sp>
@@ -4505,18 +4430,13 @@
           <a:p>
             <a:pPr algn="ctr"/>
             <a:r>
-              <a:rPr lang="de-DE" sz="1000" b="1" dirty="0" smtClean="0">
+              <a:rPr lang="de-DE" sz="1000" b="1">
                 <a:solidFill>
                   <a:schemeClr val="tx1"/>
                 </a:solidFill>
               </a:rPr>
               <a:t>FAILED</a:t>
             </a:r>
-            <a:endParaRPr lang="de-DE" sz="1000" b="1" dirty="0">
-              <a:solidFill>
-                <a:schemeClr val="tx1"/>
-              </a:solidFill>
-            </a:endParaRPr>
           </a:p>
         </p:txBody>
       </p:sp>
@@ -4574,7 +4494,7 @@
           <a:p>
             <a:pPr algn="ctr"/>
             <a:r>
-              <a:rPr lang="de-DE" sz="1000" b="1" dirty="0">
+              <a:rPr lang="de-DE" sz="1000" b="1">
                 <a:solidFill>
                   <a:schemeClr val="tx1"/>
                 </a:solidFill>
@@ -4628,7 +4548,7 @@
           <a:lstStyle/>
           <a:p>
             <a:pPr algn="r"/>
-            <a:endParaRPr lang="de-DE" dirty="0"/>
+            <a:endParaRPr lang="de-DE"/>
           </a:p>
         </p:txBody>
       </p:sp>
@@ -4676,7 +4596,7 @@
           <a:lstStyle/>
           <a:p>
             <a:pPr algn="r"/>
-            <a:endParaRPr lang="de-DE" dirty="0"/>
+            <a:endParaRPr lang="de-DE"/>
           </a:p>
         </p:txBody>
       </p:sp>
@@ -4726,7 +4646,7 @@
           <a:lstStyle/>
           <a:p>
             <a:pPr algn="r"/>
-            <a:endParaRPr lang="de-DE" dirty="0"/>
+            <a:endParaRPr lang="de-DE"/>
           </a:p>
         </p:txBody>
       </p:sp>
@@ -4776,7 +4696,7 @@
           <a:lstStyle/>
           <a:p>
             <a:pPr algn="r"/>
-            <a:endParaRPr lang="de-DE" dirty="0"/>
+            <a:endParaRPr lang="de-DE"/>
           </a:p>
         </p:txBody>
       </p:sp>
@@ -4826,7 +4746,7 @@
           <a:lstStyle/>
           <a:p>
             <a:pPr algn="r"/>
-            <a:endParaRPr lang="de-DE" dirty="0"/>
+            <a:endParaRPr lang="de-DE"/>
           </a:p>
         </p:txBody>
       </p:sp>
@@ -4875,18 +4795,13 @@
           <a:p>
             <a:pPr algn="ctr"/>
             <a:r>
-              <a:rPr lang="de-DE" sz="1000" b="1" dirty="0" smtClean="0">
+              <a:rPr lang="de-DE" sz="1000" b="1">
                 <a:solidFill>
                   <a:schemeClr val="tx1"/>
                 </a:solidFill>
               </a:rPr>
               <a:t>COMPLETED</a:t>
             </a:r>
-            <a:endParaRPr lang="de-DE" sz="1000" b="1" dirty="0">
-              <a:solidFill>
-                <a:schemeClr val="tx1"/>
-              </a:solidFill>
-            </a:endParaRPr>
           </a:p>
         </p:txBody>
       </p:sp>
@@ -4913,10 +4828,10 @@
           <a:lstStyle/>
           <a:p>
             <a:r>
-              <a:rPr lang="de-DE" sz="1200" dirty="0" err="1" smtClean="0"/>
+              <a:rPr lang="de-DE" sz="1200" err="1"/>
               <a:t>complete</a:t>
             </a:r>
-            <a:endParaRPr lang="de-DE" sz="1200" dirty="0"/>
+            <a:endParaRPr lang="de-DE" sz="1200"/>
           </a:p>
         </p:txBody>
       </p:sp>
@@ -4943,7 +4858,7 @@
           <a:lstStyle/>
           <a:p>
             <a:r>
-              <a:rPr lang="de-DE" sz="1200" dirty="0" err="1" smtClean="0">
+              <a:rPr lang="de-DE" sz="1200" err="1">
                 <a:solidFill>
                   <a:schemeClr val="bg1">
                     <a:lumMod val="50000"/>
@@ -4952,7 +4867,7 @@
               </a:rPr>
               <a:t>resume</a:t>
             </a:r>
-            <a:endParaRPr lang="de-DE" sz="1200" dirty="0">
+            <a:endParaRPr lang="de-DE" sz="1200">
               <a:solidFill>
                 <a:schemeClr val="bg1">
                   <a:lumMod val="50000"/>
@@ -4985,7 +4900,7 @@
           <a:lstStyle/>
           <a:p>
             <a:r>
-              <a:rPr lang="de-DE" sz="1200" dirty="0" smtClean="0">
+              <a:rPr lang="de-DE" sz="1200">
                 <a:solidFill>
                   <a:schemeClr val="bg1">
                     <a:lumMod val="50000"/>
@@ -4994,13 +4909,6 @@
               </a:rPr>
               <a:t>fault</a:t>
             </a:r>
-            <a:endParaRPr lang="de-DE" sz="1200" dirty="0">
-              <a:solidFill>
-                <a:schemeClr val="bg1">
-                  <a:lumMod val="50000"/>
-                </a:schemeClr>
-              </a:solidFill>
-            </a:endParaRPr>
           </a:p>
         </p:txBody>
       </p:sp>
@@ -5027,10 +4935,10 @@
           <a:lstStyle/>
           <a:p>
             <a:r>
-              <a:rPr lang="de-DE" sz="1200" dirty="0" err="1" smtClean="0"/>
+              <a:rPr lang="de-DE" sz="1200" err="1"/>
               <a:t>enable</a:t>
             </a:r>
-            <a:endParaRPr lang="de-DE" sz="1200" dirty="0"/>
+            <a:endParaRPr lang="de-DE" sz="1200"/>
           </a:p>
         </p:txBody>
       </p:sp>
@@ -5064,10 +4972,10 @@
           </a:lstStyle>
           <a:p>
             <a:r>
-              <a:rPr lang="de-DE" dirty="0" err="1"/>
+              <a:rPr lang="de-DE" err="1"/>
               <a:t>start</a:t>
             </a:r>
-            <a:endParaRPr lang="de-DE" dirty="0"/>
+            <a:endParaRPr lang="de-DE"/>
           </a:p>
         </p:txBody>
       </p:sp>
@@ -5094,10 +5002,9 @@
           <a:lstStyle/>
           <a:p>
             <a:r>
-              <a:rPr lang="de-DE" sz="1200" dirty="0" err="1" smtClean="0"/>
+              <a:rPr lang="de-DE" sz="1200" dirty="0"/>
               <a:t>create</a:t>
             </a:r>
-            <a:endParaRPr lang="de-DE" sz="1200" dirty="0"/>
           </a:p>
         </p:txBody>
       </p:sp>
@@ -5146,18 +5053,13 @@
           <a:p>
             <a:pPr algn="ctr"/>
             <a:r>
-              <a:rPr lang="de-DE" sz="1000" b="1" dirty="0" smtClean="0">
+              <a:rPr lang="de-DE" sz="1000" b="1">
                 <a:solidFill>
                   <a:schemeClr val="tx1"/>
                 </a:solidFill>
               </a:rPr>
               <a:t>ACTIVE</a:t>
             </a:r>
-            <a:endParaRPr lang="de-DE" sz="1000" b="1" dirty="0">
-              <a:solidFill>
-                <a:schemeClr val="tx1"/>
-              </a:solidFill>
-            </a:endParaRPr>
           </a:p>
         </p:txBody>
       </p:sp>
@@ -5206,18 +5108,13 @@
           <a:p>
             <a:pPr algn="ctr"/>
             <a:r>
-              <a:rPr lang="de-DE" sz="1000" b="1" dirty="0" smtClean="0">
+              <a:rPr lang="de-DE" sz="1000" b="1">
                 <a:solidFill>
                   <a:schemeClr val="tx1"/>
                 </a:solidFill>
               </a:rPr>
               <a:t>DISABLED</a:t>
             </a:r>
-            <a:endParaRPr lang="de-DE" sz="1000" b="1" dirty="0">
-              <a:solidFill>
-                <a:schemeClr val="tx1"/>
-              </a:solidFill>
-            </a:endParaRPr>
           </a:p>
         </p:txBody>
       </p:sp>
@@ -5311,7 +5208,7 @@
           <a:lstStyle/>
           <a:p>
             <a:pPr algn="r"/>
-            <a:endParaRPr lang="de-DE" dirty="0"/>
+            <a:endParaRPr lang="de-DE"/>
           </a:p>
         </p:txBody>
       </p:sp>
@@ -5359,7 +5256,7 @@
           <a:lstStyle/>
           <a:p>
             <a:pPr algn="r"/>
-            <a:endParaRPr lang="de-DE" dirty="0"/>
+            <a:endParaRPr lang="de-DE"/>
           </a:p>
         </p:txBody>
       </p:sp>
@@ -5411,7 +5308,7 @@
           <a:p>
             <a:pPr algn="ctr"/>
             <a:r>
-              <a:rPr lang="de-DE" sz="1000" b="1" dirty="0" err="1" smtClean="0">
+              <a:rPr lang="de-DE" sz="1000" b="1" err="1">
                 <a:solidFill>
                   <a:schemeClr val="tx1"/>
                 </a:solidFill>
@@ -5419,18 +5316,13 @@
               <a:t>Previous</a:t>
             </a:r>
             <a:r>
-              <a:rPr lang="de-DE" sz="1000" b="1" dirty="0" smtClean="0">
+              <a:rPr lang="de-DE" sz="1000" b="1">
                 <a:solidFill>
                   <a:schemeClr val="tx1"/>
                 </a:solidFill>
               </a:rPr>
               <a:t> State</a:t>
             </a:r>
-            <a:endParaRPr lang="de-DE" sz="1000" b="1" dirty="0">
-              <a:solidFill>
-                <a:schemeClr val="tx1"/>
-              </a:solidFill>
-            </a:endParaRPr>
           </a:p>
         </p:txBody>
       </p:sp>
@@ -5480,7 +5372,7 @@
           <a:lstStyle/>
           <a:p>
             <a:pPr algn="r"/>
-            <a:endParaRPr lang="de-DE" dirty="0"/>
+            <a:endParaRPr lang="de-DE"/>
           </a:p>
         </p:txBody>
       </p:sp>
@@ -5530,7 +5422,7 @@
           <a:lstStyle/>
           <a:p>
             <a:pPr algn="r"/>
-            <a:endParaRPr lang="de-DE" dirty="0"/>
+            <a:endParaRPr lang="de-DE"/>
           </a:p>
         </p:txBody>
       </p:sp>
@@ -5580,7 +5472,7 @@
           <a:lstStyle/>
           <a:p>
             <a:pPr algn="r"/>
-            <a:endParaRPr lang="de-DE" dirty="0"/>
+            <a:endParaRPr lang="de-DE"/>
           </a:p>
         </p:txBody>
       </p:sp>
@@ -5630,7 +5522,7 @@
           <a:lstStyle/>
           <a:p>
             <a:pPr algn="r"/>
-            <a:endParaRPr lang="de-DE" dirty="0"/>
+            <a:endParaRPr lang="de-DE"/>
           </a:p>
         </p:txBody>
       </p:sp>
@@ -5678,7 +5570,7 @@
           <a:lstStyle/>
           <a:p>
             <a:pPr algn="r"/>
-            <a:endParaRPr lang="de-DE" dirty="0"/>
+            <a:endParaRPr lang="de-DE"/>
           </a:p>
         </p:txBody>
       </p:sp>
@@ -5701,9 +5593,7 @@
           </a:prstGeom>
           <a:ln w="12700">
             <a:solidFill>
-              <a:schemeClr val="bg1">
-                <a:lumMod val="65000"/>
-              </a:schemeClr>
+              <a:schemeClr val="tx1"/>
             </a:solidFill>
             <a:headEnd type="arrow" w="med" len="med"/>
             <a:tailEnd type="none" w="med" len="med"/>
@@ -5728,7 +5618,11 @@
           <a:lstStyle/>
           <a:p>
             <a:pPr algn="r"/>
-            <a:endParaRPr lang="de-DE" dirty="0"/>
+            <a:endParaRPr lang="de-DE">
+              <a:highlight>
+                <a:srgbClr val="000000"/>
+              </a:highlight>
+            </a:endParaRPr>
           </a:p>
         </p:txBody>
       </p:sp>
@@ -5768,10 +5662,18 @@
           </a:lstStyle>
           <a:p>
             <a:r>
-              <a:rPr lang="de-DE" dirty="0" err="1"/>
+              <a:rPr lang="de-DE" err="1">
+                <a:solidFill>
+                  <a:schemeClr val="tx1"/>
+                </a:solidFill>
+              </a:rPr>
               <a:t>terminate</a:t>
             </a:r>
-            <a:endParaRPr lang="de-DE" dirty="0"/>
+            <a:endParaRPr lang="de-DE">
+              <a:solidFill>
+                <a:schemeClr val="tx1"/>
+              </a:solidFill>
+            </a:endParaRPr>
           </a:p>
         </p:txBody>
       </p:sp>
@@ -5798,10 +5700,10 @@
           <a:lstStyle/>
           <a:p>
             <a:r>
-              <a:rPr lang="de-DE" sz="1200" dirty="0" err="1" smtClean="0"/>
+              <a:rPr lang="de-DE" sz="1200" err="1"/>
               <a:t>exit</a:t>
             </a:r>
-            <a:endParaRPr lang="de-DE" sz="1200" dirty="0"/>
+            <a:endParaRPr lang="de-DE" sz="1200"/>
           </a:p>
         </p:txBody>
       </p:sp>
@@ -5828,7 +5730,7 @@
           <a:lstStyle/>
           <a:p>
             <a:r>
-              <a:rPr lang="de-DE" sz="1200" dirty="0" err="1" smtClean="0">
+              <a:rPr lang="de-DE" sz="1200" err="1">
                 <a:solidFill>
                   <a:schemeClr val="bg1">
                     <a:lumMod val="50000"/>
@@ -5837,7 +5739,7 @@
               </a:rPr>
               <a:t>re-activate</a:t>
             </a:r>
-            <a:endParaRPr lang="de-DE" sz="1200" dirty="0">
+            <a:endParaRPr lang="de-DE" sz="1200">
               <a:solidFill>
                 <a:schemeClr val="bg1">
                   <a:lumMod val="50000"/>
@@ -5870,17 +5772,17 @@
           <a:lstStyle/>
           <a:p>
             <a:r>
-              <a:rPr lang="de-DE" sz="1200" dirty="0" err="1" smtClean="0"/>
+              <a:rPr lang="de-DE" sz="1200" err="1"/>
               <a:t>manual</a:t>
             </a:r>
-            <a:endParaRPr lang="de-DE" sz="1200" dirty="0" smtClean="0"/>
-          </a:p>
-          <a:p>
-            <a:r>
-              <a:rPr lang="de-DE" sz="1200" dirty="0" err="1" smtClean="0"/>
+            <a:endParaRPr lang="de-DE" sz="1200"/>
+          </a:p>
+          <a:p>
+            <a:r>
+              <a:rPr lang="de-DE" sz="1200" err="1"/>
               <a:t>start</a:t>
             </a:r>
-            <a:endParaRPr lang="de-DE" sz="1200" dirty="0"/>
+            <a:endParaRPr lang="de-DE" sz="1200"/>
           </a:p>
         </p:txBody>
       </p:sp>
@@ -5907,10 +5809,10 @@
           <a:lstStyle/>
           <a:p>
             <a:r>
-              <a:rPr lang="de-DE" sz="1200" dirty="0" err="1" smtClean="0"/>
+              <a:rPr lang="de-DE" sz="1200" err="1"/>
               <a:t>disable</a:t>
             </a:r>
-            <a:endParaRPr lang="de-DE" sz="1200" dirty="0"/>
+            <a:endParaRPr lang="de-DE" sz="1200"/>
           </a:p>
         </p:txBody>
       </p:sp>
@@ -5937,10 +5839,10 @@
           <a:lstStyle/>
           <a:p>
             <a:r>
-              <a:rPr lang="de-DE" sz="1200" dirty="0" err="1" smtClean="0"/>
+              <a:rPr lang="de-DE" sz="1200" err="1"/>
               <a:t>re-enable</a:t>
             </a:r>
-            <a:endParaRPr lang="de-DE" sz="1200" dirty="0"/>
+            <a:endParaRPr lang="de-DE" sz="1200"/>
           </a:p>
         </p:txBody>
       </p:sp>
@@ -5967,7 +5869,7 @@
           <a:lstStyle/>
           <a:p>
             <a:r>
-              <a:rPr lang="de-DE" sz="1200" dirty="0" err="1" smtClean="0">
+              <a:rPr lang="de-DE" sz="1200" err="1">
                 <a:solidFill>
                   <a:schemeClr val="bg1">
                     <a:lumMod val="50000"/>
@@ -5976,7 +5878,7 @@
               </a:rPr>
               <a:t>parent</a:t>
             </a:r>
-            <a:endParaRPr lang="de-DE" sz="1200" dirty="0" smtClean="0">
+            <a:endParaRPr lang="de-DE" sz="1200">
               <a:solidFill>
                 <a:schemeClr val="bg1">
                   <a:lumMod val="50000"/>
@@ -5986,7 +5888,7 @@
           </a:p>
           <a:p>
             <a:r>
-              <a:rPr lang="de-DE" sz="1200" dirty="0" err="1" smtClean="0">
+              <a:rPr lang="de-DE" sz="1200" err="1">
                 <a:solidFill>
                   <a:schemeClr val="bg1">
                     <a:lumMod val="50000"/>
@@ -5995,7 +5897,7 @@
               </a:rPr>
               <a:t>suspend</a:t>
             </a:r>
-            <a:endParaRPr lang="de-DE" sz="1200" dirty="0">
+            <a:endParaRPr lang="de-DE" sz="1200">
               <a:solidFill>
                 <a:schemeClr val="bg1">
                   <a:lumMod val="50000"/>
@@ -6028,7 +5930,7 @@
           <a:lstStyle/>
           <a:p>
             <a:r>
-              <a:rPr lang="de-DE" sz="1200" dirty="0" err="1" smtClean="0">
+              <a:rPr lang="de-DE" sz="1200" err="1">
                 <a:solidFill>
                   <a:schemeClr val="bg1">
                     <a:lumMod val="50000"/>
@@ -6037,7 +5939,7 @@
               </a:rPr>
               <a:t>suspend</a:t>
             </a:r>
-            <a:endParaRPr lang="de-DE" sz="1200" dirty="0">
+            <a:endParaRPr lang="de-DE" sz="1200">
               <a:solidFill>
                 <a:schemeClr val="bg1">
                   <a:lumMod val="50000"/>
@@ -6070,7 +5972,7 @@
           <a:lstStyle/>
           <a:p>
             <a:r>
-              <a:rPr lang="de-DE" sz="1200" dirty="0" err="1" smtClean="0">
+              <a:rPr lang="de-DE" sz="1200" err="1">
                 <a:solidFill>
                   <a:schemeClr val="bg1">
                     <a:lumMod val="50000"/>
@@ -6079,7 +5981,7 @@
               </a:rPr>
               <a:t>parent</a:t>
             </a:r>
-            <a:endParaRPr lang="de-DE" sz="1200" dirty="0" smtClean="0">
+            <a:endParaRPr lang="de-DE" sz="1200">
               <a:solidFill>
                 <a:schemeClr val="bg1">
                   <a:lumMod val="50000"/>
@@ -6089,7 +5991,7 @@
           </a:p>
           <a:p>
             <a:r>
-              <a:rPr lang="de-DE" sz="1200" dirty="0" err="1" smtClean="0">
+              <a:rPr lang="de-DE" sz="1200" err="1">
                 <a:solidFill>
                   <a:schemeClr val="bg1">
                     <a:lumMod val="50000"/>
@@ -6098,7 +6000,7 @@
               </a:rPr>
               <a:t>resume</a:t>
             </a:r>
-            <a:endParaRPr lang="de-DE" sz="1200" dirty="0">
+            <a:endParaRPr lang="de-DE" sz="1200">
               <a:solidFill>
                 <a:schemeClr val="bg1">
                   <a:lumMod val="50000"/>
@@ -6152,7 +6054,7 @@
           <a:lstStyle/>
           <a:p>
             <a:pPr algn="r"/>
-            <a:endParaRPr lang="de-DE" dirty="0"/>
+            <a:endParaRPr lang="de-DE"/>
           </a:p>
         </p:txBody>
       </p:sp>
@@ -6200,7 +6102,7 @@
           <a:lstStyle/>
           <a:p>
             <a:pPr algn="r"/>
-            <a:endParaRPr lang="de-DE" dirty="0"/>
+            <a:endParaRPr lang="de-DE"/>
           </a:p>
         </p:txBody>
       </p:sp>
@@ -6214,13 +6116,6 @@
   <p:clrMapOvr>
     <a:masterClrMapping/>
   </p:clrMapOvr>
-  <p:timing>
-    <p:tnLst>
-      <p:par>
-        <p:cTn id="1" dur="indefinite" restart="never" nodeType="tmRoot"/>
-      </p:par>
-    </p:tnLst>
-  </p:timing>
 </p:sld>
 </file>
 
@@ -6286,18 +6181,13 @@
           <a:p>
             <a:pPr algn="ctr"/>
             <a:r>
-              <a:rPr lang="de-DE" sz="1000" b="1" dirty="0" smtClean="0">
+              <a:rPr lang="de-DE" sz="1000" b="1">
                 <a:solidFill>
                   <a:schemeClr val="tx1"/>
                 </a:solidFill>
               </a:rPr>
               <a:t>AVAILABLE</a:t>
             </a:r>
-            <a:endParaRPr lang="de-DE" sz="1000" b="1" dirty="0">
-              <a:solidFill>
-                <a:schemeClr val="tx1"/>
-              </a:solidFill>
-            </a:endParaRPr>
           </a:p>
         </p:txBody>
       </p:sp>
@@ -6337,7 +6227,7 @@
           <a:lstStyle/>
           <a:p>
             <a:pPr algn="ctr"/>
-            <a:endParaRPr lang="de-DE" dirty="0"/>
+            <a:endParaRPr lang="de-DE"/>
           </a:p>
         </p:txBody>
       </p:sp>
@@ -6385,7 +6275,7 @@
           <a:lstStyle/>
           <a:p>
             <a:pPr algn="r"/>
-            <a:endParaRPr lang="de-DE" dirty="0"/>
+            <a:endParaRPr lang="de-DE"/>
           </a:p>
         </p:txBody>
       </p:sp>
@@ -6434,18 +6324,13 @@
           <a:p>
             <a:pPr algn="ctr"/>
             <a:r>
-              <a:rPr lang="de-DE" sz="1000" b="1" dirty="0" smtClean="0">
+              <a:rPr lang="de-DE" sz="1000" b="1">
                 <a:solidFill>
                   <a:schemeClr val="tx1"/>
                 </a:solidFill>
               </a:rPr>
               <a:t>COMPLETED</a:t>
             </a:r>
-            <a:endParaRPr lang="de-DE" sz="1000" b="1" dirty="0">
-              <a:solidFill>
-                <a:schemeClr val="tx1"/>
-              </a:solidFill>
-            </a:endParaRPr>
           </a:p>
         </p:txBody>
       </p:sp>
@@ -6502,6 +6387,66 @@
         <p:spPr>
           <a:xfrm>
             <a:off x="5792187" y="2763297"/>
+            <a:ext cx="1224136" cy="720080"/>
+          </a:xfrm>
+          <a:prstGeom prst="ellipse">
+            <a:avLst/>
+          </a:prstGeom>
+          <a:solidFill>
+            <a:schemeClr val="bg1"/>
+          </a:solidFill>
+          <a:ln>
+            <a:solidFill>
+              <a:schemeClr val="tx2"/>
+            </a:solidFill>
+          </a:ln>
+        </p:spPr>
+        <p:style>
+          <a:lnRef idx="2">
+            <a:schemeClr val="accent1">
+              <a:shade val="50000"/>
+            </a:schemeClr>
+          </a:lnRef>
+          <a:fillRef idx="1">
+            <a:schemeClr val="accent1"/>
+          </a:fillRef>
+          <a:effectRef idx="0">
+            <a:schemeClr val="accent1"/>
+          </a:effectRef>
+          <a:fontRef idx="minor">
+            <a:schemeClr val="lt1"/>
+          </a:fontRef>
+        </p:style>
+        <p:txBody>
+          <a:bodyPr rot="0" spcFirstLastPara="0" vertOverflow="overflow" horzOverflow="overflow" vert="horz" wrap="square" lIns="0" tIns="45720" rIns="0" bIns="45720" numCol="1" spcCol="0" rtlCol="0" fromWordArt="0" anchor="ctr" anchorCtr="0" forceAA="0" compatLnSpc="1">
+            <a:prstTxWarp prst="textNoShape">
+              <a:avLst/>
+            </a:prstTxWarp>
+            <a:noAutofit/>
+          </a:bodyPr>
+          <a:lstStyle/>
+          <a:p>
+            <a:pPr algn="ctr"/>
+            <a:r>
+              <a:rPr lang="de-DE" sz="1000" b="1">
+                <a:solidFill>
+                  <a:schemeClr val="tx1"/>
+                </a:solidFill>
+              </a:rPr>
+              <a:t>TERMINATED</a:t>
+            </a:r>
+          </a:p>
+        </p:txBody>
+      </p:sp>
+      <p:sp>
+        <p:nvSpPr>
+          <p:cNvPr id="11" name="Ellipse 10"/>
+          <p:cNvSpPr/>
+          <p:nvPr/>
+        </p:nvSpPr>
+        <p:spPr>
+          <a:xfrm>
+            <a:off x="6073401" y="1336029"/>
             <a:ext cx="1224136" cy="720080"/>
           </a:xfrm>
           <a:prstGeom prst="ellipse">
@@ -6547,76 +6492,7 @@
           <a:p>
             <a:pPr algn="ctr"/>
             <a:r>
-              <a:rPr lang="de-DE" sz="1000" b="1" dirty="0" smtClean="0">
-                <a:solidFill>
-                  <a:schemeClr val="tx1"/>
-                </a:solidFill>
-              </a:rPr>
-              <a:t>TERMINATED</a:t>
-            </a:r>
-            <a:endParaRPr lang="de-DE" sz="1000" b="1" dirty="0">
-              <a:solidFill>
-                <a:schemeClr val="tx1"/>
-              </a:solidFill>
-            </a:endParaRPr>
-          </a:p>
-        </p:txBody>
-      </p:sp>
-      <p:sp>
-        <p:nvSpPr>
-          <p:cNvPr id="11" name="Ellipse 10"/>
-          <p:cNvSpPr/>
-          <p:nvPr/>
-        </p:nvSpPr>
-        <p:spPr>
-          <a:xfrm>
-            <a:off x="6073401" y="1336029"/>
-            <a:ext cx="1224136" cy="720080"/>
-          </a:xfrm>
-          <a:prstGeom prst="ellipse">
-            <a:avLst/>
-          </a:prstGeom>
-          <a:solidFill>
-            <a:schemeClr val="bg1">
-              <a:lumMod val="65000"/>
-            </a:schemeClr>
-          </a:solidFill>
-          <a:ln>
-            <a:solidFill>
-              <a:schemeClr val="bg1">
-                <a:lumMod val="50000"/>
-              </a:schemeClr>
-            </a:solidFill>
-          </a:ln>
-        </p:spPr>
-        <p:style>
-          <a:lnRef idx="2">
-            <a:schemeClr val="accent1">
-              <a:shade val="50000"/>
-            </a:schemeClr>
-          </a:lnRef>
-          <a:fillRef idx="1">
-            <a:schemeClr val="accent1"/>
-          </a:fillRef>
-          <a:effectRef idx="0">
-            <a:schemeClr val="accent1"/>
-          </a:effectRef>
-          <a:fontRef idx="minor">
-            <a:schemeClr val="lt1"/>
-          </a:fontRef>
-        </p:style>
-        <p:txBody>
-          <a:bodyPr rot="0" spcFirstLastPara="0" vertOverflow="overflow" horzOverflow="overflow" vert="horz" wrap="square" lIns="0" tIns="45720" rIns="0" bIns="45720" numCol="1" spcCol="0" rtlCol="0" fromWordArt="0" anchor="ctr" anchorCtr="0" forceAA="0" compatLnSpc="1">
-            <a:prstTxWarp prst="textNoShape">
-              <a:avLst/>
-            </a:prstTxWarp>
-            <a:noAutofit/>
-          </a:bodyPr>
-          <a:lstStyle/>
-          <a:p>
-            <a:pPr algn="ctr"/>
-            <a:r>
-              <a:rPr lang="de-DE" sz="1000" b="1" dirty="0">
+              <a:rPr lang="de-DE" sz="1000" b="1">
                 <a:solidFill>
                   <a:schemeClr val="tx1"/>
                 </a:solidFill>
@@ -6670,7 +6546,7 @@
           <a:lstStyle/>
           <a:p>
             <a:pPr algn="r"/>
-            <a:endParaRPr lang="de-DE" dirty="0"/>
+            <a:endParaRPr lang="de-DE"/>
           </a:p>
         </p:txBody>
       </p:sp>
@@ -6684,6 +6560,54 @@
           <a:xfrm rot="2813021" flipH="1" flipV="1">
             <a:off x="4496608" y="2322683"/>
             <a:ext cx="1591405" cy="337028"/>
+          </a:xfrm>
+          <a:prstGeom prst="arc">
+            <a:avLst>
+              <a:gd name="adj1" fmla="val 10971559"/>
+              <a:gd name="adj2" fmla="val 21191460"/>
+            </a:avLst>
+          </a:prstGeom>
+          <a:ln w="12700">
+            <a:solidFill>
+              <a:schemeClr val="tx1"/>
+            </a:solidFill>
+            <a:headEnd type="arrow" w="med" len="med"/>
+            <a:tailEnd type="none" w="med" len="med"/>
+          </a:ln>
+        </p:spPr>
+        <p:style>
+          <a:lnRef idx="1">
+            <a:schemeClr val="accent1"/>
+          </a:lnRef>
+          <a:fillRef idx="0">
+            <a:schemeClr val="accent1"/>
+          </a:fillRef>
+          <a:effectRef idx="0">
+            <a:schemeClr val="accent1"/>
+          </a:effectRef>
+          <a:fontRef idx="minor">
+            <a:schemeClr val="tx1"/>
+          </a:fontRef>
+        </p:style>
+        <p:txBody>
+          <a:bodyPr rtlCol="0" anchor="ctr"/>
+          <a:lstStyle/>
+          <a:p>
+            <a:pPr algn="r"/>
+            <a:endParaRPr lang="de-DE"/>
+          </a:p>
+        </p:txBody>
+      </p:sp>
+      <p:sp>
+        <p:nvSpPr>
+          <p:cNvPr id="16" name="Bogen 15"/>
+          <p:cNvSpPr/>
+          <p:nvPr/>
+        </p:nvSpPr>
+        <p:spPr>
+          <a:xfrm rot="10800000" flipV="1">
+            <a:off x="4997179" y="1329378"/>
+            <a:ext cx="1205668" cy="419509"/>
           </a:xfrm>
           <a:prstGeom prst="arc">
             <a:avLst>
@@ -6720,19 +6644,163 @@
           <a:lstStyle/>
           <a:p>
             <a:pPr algn="r"/>
-            <a:endParaRPr lang="de-DE" dirty="0"/>
-          </a:p>
-        </p:txBody>
-      </p:sp>
-      <p:sp>
-        <p:nvSpPr>
-          <p:cNvPr id="16" name="Bogen 15"/>
+            <a:endParaRPr lang="de-DE"/>
+          </a:p>
+        </p:txBody>
+      </p:sp>
+      <p:sp>
+        <p:nvSpPr>
+          <p:cNvPr id="21" name="Textfeld 20"/>
+          <p:cNvSpPr txBox="1"/>
+          <p:nvPr/>
+        </p:nvSpPr>
+        <p:spPr>
+          <a:xfrm>
+            <a:off x="3745020" y="2307667"/>
+            <a:ext cx="591542" cy="276999"/>
+          </a:xfrm>
+          <a:prstGeom prst="rect">
+            <a:avLst/>
+          </a:prstGeom>
+          <a:noFill/>
+        </p:spPr>
+        <p:txBody>
+          <a:bodyPr wrap="square" rtlCol="0">
+            <a:spAutoFit/>
+          </a:bodyPr>
+          <a:lstStyle/>
+          <a:p>
+            <a:r>
+              <a:rPr lang="de-DE" sz="1200" err="1"/>
+              <a:t>occur</a:t>
+            </a:r>
+            <a:endParaRPr lang="de-DE" sz="1200"/>
+          </a:p>
+        </p:txBody>
+      </p:sp>
+      <p:sp>
+        <p:nvSpPr>
+          <p:cNvPr id="22" name="Textfeld 21"/>
+          <p:cNvSpPr txBox="1"/>
+          <p:nvPr/>
+        </p:nvSpPr>
+        <p:spPr>
+          <a:xfrm>
+            <a:off x="5267963" y="1326182"/>
+            <a:ext cx="725958" cy="276999"/>
+          </a:xfrm>
+          <a:prstGeom prst="rect">
+            <a:avLst/>
+          </a:prstGeom>
+          <a:noFill/>
+        </p:spPr>
+        <p:txBody>
+          <a:bodyPr wrap="square" rtlCol="0">
+            <a:spAutoFit/>
+          </a:bodyPr>
+          <a:lstStyle/>
+          <a:p>
+            <a:r>
+              <a:rPr lang="de-DE" sz="1200" err="1">
+                <a:solidFill>
+                  <a:schemeClr val="bg1">
+                    <a:lumMod val="50000"/>
+                  </a:schemeClr>
+                </a:solidFill>
+              </a:rPr>
+              <a:t>suspend</a:t>
+            </a:r>
+            <a:endParaRPr lang="de-DE" sz="1200">
+              <a:solidFill>
+                <a:schemeClr val="bg1">
+                  <a:lumMod val="50000"/>
+                </a:schemeClr>
+              </a:solidFill>
+            </a:endParaRPr>
+          </a:p>
+        </p:txBody>
+      </p:sp>
+      <p:sp>
+        <p:nvSpPr>
+          <p:cNvPr id="23" name="Textfeld 22"/>
+          <p:cNvSpPr txBox="1"/>
+          <p:nvPr/>
+        </p:nvSpPr>
+        <p:spPr>
+          <a:xfrm>
+            <a:off x="5267963" y="1786239"/>
+            <a:ext cx="725958" cy="276999"/>
+          </a:xfrm>
+          <a:prstGeom prst="rect">
+            <a:avLst/>
+          </a:prstGeom>
+          <a:noFill/>
+        </p:spPr>
+        <p:txBody>
+          <a:bodyPr wrap="square" rtlCol="0">
+            <a:spAutoFit/>
+          </a:bodyPr>
+          <a:lstStyle/>
+          <a:p>
+            <a:r>
+              <a:rPr lang="de-DE" sz="1200" err="1">
+                <a:solidFill>
+                  <a:schemeClr val="bg1">
+                    <a:lumMod val="50000"/>
+                  </a:schemeClr>
+                </a:solidFill>
+              </a:rPr>
+              <a:t>resume</a:t>
+            </a:r>
+            <a:endParaRPr lang="de-DE" sz="1200">
+              <a:solidFill>
+                <a:schemeClr val="bg1">
+                  <a:lumMod val="50000"/>
+                </a:schemeClr>
+              </a:solidFill>
+            </a:endParaRPr>
+          </a:p>
+        </p:txBody>
+      </p:sp>
+      <p:sp>
+        <p:nvSpPr>
+          <p:cNvPr id="26" name="Textfeld 25"/>
+          <p:cNvSpPr txBox="1"/>
+          <p:nvPr/>
+        </p:nvSpPr>
+        <p:spPr>
+          <a:xfrm>
+            <a:off x="4607935" y="891189"/>
+            <a:ext cx="820363" cy="276999"/>
+          </a:xfrm>
+          <a:prstGeom prst="rect">
+            <a:avLst/>
+          </a:prstGeom>
+          <a:noFill/>
+        </p:spPr>
+        <p:txBody>
+          <a:bodyPr wrap="square" rtlCol="0">
+            <a:spAutoFit/>
+          </a:bodyPr>
+          <a:lstStyle/>
+          <a:p>
+            <a:r>
+              <a:rPr lang="de-DE" sz="1200" err="1"/>
+              <a:t>create</a:t>
+            </a:r>
+            <a:endParaRPr lang="de-DE" sz="1200"/>
+          </a:p>
+        </p:txBody>
+      </p:sp>
+      <p:sp>
+        <p:nvSpPr>
+          <p:cNvPr id="27" name="Bogen 26"/>
           <p:cNvSpPr/>
           <p:nvPr/>
         </p:nvSpPr>
         <p:spPr>
-          <a:xfrm rot="10800000" flipV="1">
-            <a:off x="4997179" y="1329378"/>
+          <a:xfrm flipV="1">
+            <a:off x="5044493" y="1664915"/>
             <a:ext cx="1205668" cy="419509"/>
           </a:xfrm>
           <a:prstGeom prst="arc">
@@ -6770,164 +6838,20 @@
           <a:lstStyle/>
           <a:p>
             <a:pPr algn="r"/>
-            <a:endParaRPr lang="de-DE" dirty="0"/>
-          </a:p>
-        </p:txBody>
-      </p:sp>
-      <p:sp>
-        <p:nvSpPr>
-          <p:cNvPr id="21" name="Textfeld 20"/>
-          <p:cNvSpPr txBox="1"/>
-          <p:nvPr/>
-        </p:nvSpPr>
-        <p:spPr>
-          <a:xfrm>
-            <a:off x="3745020" y="2307667"/>
-            <a:ext cx="591542" cy="276999"/>
-          </a:xfrm>
-          <a:prstGeom prst="rect">
-            <a:avLst/>
-          </a:prstGeom>
-          <a:noFill/>
-        </p:spPr>
-        <p:txBody>
-          <a:bodyPr wrap="square" rtlCol="0">
-            <a:spAutoFit/>
-          </a:bodyPr>
-          <a:lstStyle/>
-          <a:p>
-            <a:r>
-              <a:rPr lang="de-DE" sz="1200" dirty="0" err="1" smtClean="0"/>
-              <a:t>occur</a:t>
-            </a:r>
-            <a:endParaRPr lang="de-DE" sz="1200" dirty="0"/>
-          </a:p>
-        </p:txBody>
-      </p:sp>
-      <p:sp>
-        <p:nvSpPr>
-          <p:cNvPr id="22" name="Textfeld 21"/>
-          <p:cNvSpPr txBox="1"/>
-          <p:nvPr/>
-        </p:nvSpPr>
-        <p:spPr>
-          <a:xfrm>
-            <a:off x="5267963" y="1326182"/>
-            <a:ext cx="725958" cy="276999"/>
-          </a:xfrm>
-          <a:prstGeom prst="rect">
-            <a:avLst/>
-          </a:prstGeom>
-          <a:noFill/>
-        </p:spPr>
-        <p:txBody>
-          <a:bodyPr wrap="square" rtlCol="0">
-            <a:spAutoFit/>
-          </a:bodyPr>
-          <a:lstStyle/>
-          <a:p>
-            <a:r>
-              <a:rPr lang="de-DE" sz="1200" dirty="0" err="1" smtClean="0">
-                <a:solidFill>
-                  <a:schemeClr val="bg1">
-                    <a:lumMod val="50000"/>
-                  </a:schemeClr>
-                </a:solidFill>
-              </a:rPr>
-              <a:t>suspend</a:t>
-            </a:r>
-            <a:endParaRPr lang="de-DE" sz="1200" dirty="0">
-              <a:solidFill>
-                <a:schemeClr val="bg1">
-                  <a:lumMod val="50000"/>
-                </a:schemeClr>
-              </a:solidFill>
-            </a:endParaRPr>
-          </a:p>
-        </p:txBody>
-      </p:sp>
-      <p:sp>
-        <p:nvSpPr>
-          <p:cNvPr id="23" name="Textfeld 22"/>
-          <p:cNvSpPr txBox="1"/>
-          <p:nvPr/>
-        </p:nvSpPr>
-        <p:spPr>
-          <a:xfrm>
-            <a:off x="5267963" y="1786239"/>
-            <a:ext cx="725958" cy="276999"/>
-          </a:xfrm>
-          <a:prstGeom prst="rect">
-            <a:avLst/>
-          </a:prstGeom>
-          <a:noFill/>
-        </p:spPr>
-        <p:txBody>
-          <a:bodyPr wrap="square" rtlCol="0">
-            <a:spAutoFit/>
-          </a:bodyPr>
-          <a:lstStyle/>
-          <a:p>
-            <a:r>
-              <a:rPr lang="de-DE" sz="1200" dirty="0" err="1" smtClean="0">
-                <a:solidFill>
-                  <a:schemeClr val="bg1">
-                    <a:lumMod val="50000"/>
-                  </a:schemeClr>
-                </a:solidFill>
-              </a:rPr>
-              <a:t>resume</a:t>
-            </a:r>
-            <a:endParaRPr lang="de-DE" sz="1200" dirty="0">
-              <a:solidFill>
-                <a:schemeClr val="bg1">
-                  <a:lumMod val="50000"/>
-                </a:schemeClr>
-              </a:solidFill>
-            </a:endParaRPr>
-          </a:p>
-        </p:txBody>
-      </p:sp>
-      <p:sp>
-        <p:nvSpPr>
-          <p:cNvPr id="26" name="Textfeld 25"/>
-          <p:cNvSpPr txBox="1"/>
-          <p:nvPr/>
-        </p:nvSpPr>
-        <p:spPr>
-          <a:xfrm>
-            <a:off x="4607935" y="891189"/>
-            <a:ext cx="820363" cy="276999"/>
-          </a:xfrm>
-          <a:prstGeom prst="rect">
-            <a:avLst/>
-          </a:prstGeom>
-          <a:noFill/>
-        </p:spPr>
-        <p:txBody>
-          <a:bodyPr wrap="square" rtlCol="0">
-            <a:spAutoFit/>
-          </a:bodyPr>
-          <a:lstStyle/>
-          <a:p>
-            <a:r>
-              <a:rPr lang="de-DE" sz="1200" dirty="0" err="1" smtClean="0"/>
-              <a:t>create</a:t>
-            </a:r>
-            <a:endParaRPr lang="de-DE" sz="1200" dirty="0"/>
-          </a:p>
-        </p:txBody>
-      </p:sp>
-      <p:sp>
-        <p:nvSpPr>
-          <p:cNvPr id="27" name="Bogen 26"/>
+            <a:endParaRPr lang="de-DE"/>
+          </a:p>
+        </p:txBody>
+      </p:sp>
+      <p:sp>
+        <p:nvSpPr>
+          <p:cNvPr id="28" name="Bogen 27"/>
           <p:cNvSpPr/>
           <p:nvPr/>
         </p:nvSpPr>
         <p:spPr>
-          <a:xfrm flipV="1">
-            <a:off x="5044493" y="1664915"/>
-            <a:ext cx="1205668" cy="419509"/>
+          <a:xfrm rot="16014914" flipV="1">
+            <a:off x="6248215" y="2323379"/>
+            <a:ext cx="933768" cy="142818"/>
           </a:xfrm>
           <a:prstGeom prst="arc">
             <a:avLst>
@@ -6964,57 +6888,7 @@
           <a:lstStyle/>
           <a:p>
             <a:pPr algn="r"/>
-            <a:endParaRPr lang="de-DE" dirty="0"/>
-          </a:p>
-        </p:txBody>
-      </p:sp>
-      <p:sp>
-        <p:nvSpPr>
-          <p:cNvPr id="28" name="Bogen 27"/>
-          <p:cNvSpPr/>
-          <p:nvPr/>
-        </p:nvSpPr>
-        <p:spPr>
-          <a:xfrm rot="16014914" flipV="1">
-            <a:off x="6248215" y="2323379"/>
-            <a:ext cx="933768" cy="142818"/>
-          </a:xfrm>
-          <a:prstGeom prst="arc">
-            <a:avLst>
-              <a:gd name="adj1" fmla="val 10971559"/>
-              <a:gd name="adj2" fmla="val 21191460"/>
-            </a:avLst>
-          </a:prstGeom>
-          <a:ln w="12700">
-            <a:solidFill>
-              <a:schemeClr val="bg1">
-                <a:lumMod val="65000"/>
-              </a:schemeClr>
-            </a:solidFill>
-            <a:headEnd type="arrow" w="med" len="med"/>
-            <a:tailEnd type="none" w="med" len="med"/>
-          </a:ln>
-        </p:spPr>
-        <p:style>
-          <a:lnRef idx="1">
-            <a:schemeClr val="accent1"/>
-          </a:lnRef>
-          <a:fillRef idx="0">
-            <a:schemeClr val="accent1"/>
-          </a:fillRef>
-          <a:effectRef idx="0">
-            <a:schemeClr val="accent1"/>
-          </a:effectRef>
-          <a:fontRef idx="minor">
-            <a:schemeClr val="tx1"/>
-          </a:fontRef>
-        </p:style>
-        <p:txBody>
-          <a:bodyPr rtlCol="0" anchor="ctr"/>
-          <a:lstStyle/>
-          <a:p>
-            <a:pPr algn="r"/>
-            <a:endParaRPr lang="de-DE" dirty="0"/>
+            <a:endParaRPr lang="de-DE"/>
           </a:p>
         </p:txBody>
       </p:sp>
@@ -7041,7 +6915,56 @@
           <a:lstStyle/>
           <a:p>
             <a:r>
-              <a:rPr lang="de-DE" sz="1200" dirty="0" err="1" smtClean="0">
+              <a:rPr lang="de-DE" sz="1200" err="1"/>
+              <a:t>terminate</a:t>
+            </a:r>
+            <a:endParaRPr lang="de-DE" sz="1200"/>
+          </a:p>
+        </p:txBody>
+      </p:sp>
+      <p:sp>
+        <p:nvSpPr>
+          <p:cNvPr id="30" name="Textfeld 29"/>
+          <p:cNvSpPr txBox="1"/>
+          <p:nvPr/>
+        </p:nvSpPr>
+        <p:spPr>
+          <a:xfrm>
+            <a:off x="6811530" y="2307845"/>
+            <a:ext cx="874390" cy="461665"/>
+          </a:xfrm>
+          <a:prstGeom prst="rect">
+            <a:avLst/>
+          </a:prstGeom>
+          <a:noFill/>
+        </p:spPr>
+        <p:txBody>
+          <a:bodyPr wrap="square" rtlCol="0">
+            <a:spAutoFit/>
+          </a:bodyPr>
+          <a:lstStyle/>
+          <a:p>
+            <a:r>
+              <a:rPr lang="de-DE" sz="1200" err="1">
+                <a:solidFill>
+                  <a:schemeClr val="bg1">
+                    <a:lumMod val="50000"/>
+                  </a:schemeClr>
+                </a:solidFill>
+              </a:rPr>
+              <a:t>parent</a:t>
+            </a:r>
+            <a:endParaRPr lang="de-DE" sz="1200">
+              <a:solidFill>
+                <a:schemeClr val="bg1">
+                  <a:lumMod val="50000"/>
+                </a:schemeClr>
+              </a:solidFill>
+            </a:endParaRPr>
+          </a:p>
+          <a:p>
+            <a:r>
+              <a:rPr lang="de-DE" sz="1200" err="1">
                 <a:solidFill>
                   <a:schemeClr val="bg1">
                     <a:lumMod val="50000"/>
@@ -7050,68 +6973,7 @@
               </a:rPr>
               <a:t>terminate</a:t>
             </a:r>
-            <a:endParaRPr lang="de-DE" sz="1200" dirty="0">
-              <a:solidFill>
-                <a:schemeClr val="bg1">
-                  <a:lumMod val="50000"/>
-                </a:schemeClr>
-              </a:solidFill>
-            </a:endParaRPr>
-          </a:p>
-        </p:txBody>
-      </p:sp>
-      <p:sp>
-        <p:nvSpPr>
-          <p:cNvPr id="30" name="Textfeld 29"/>
-          <p:cNvSpPr txBox="1"/>
-          <p:nvPr/>
-        </p:nvSpPr>
-        <p:spPr>
-          <a:xfrm>
-            <a:off x="6811530" y="2307845"/>
-            <a:ext cx="874390" cy="461665"/>
-          </a:xfrm>
-          <a:prstGeom prst="rect">
-            <a:avLst/>
-          </a:prstGeom>
-          <a:noFill/>
-        </p:spPr>
-        <p:txBody>
-          <a:bodyPr wrap="square" rtlCol="0">
-            <a:spAutoFit/>
-          </a:bodyPr>
-          <a:lstStyle/>
-          <a:p>
-            <a:r>
-              <a:rPr lang="de-DE" sz="1200" dirty="0" err="1" smtClean="0">
-                <a:solidFill>
-                  <a:schemeClr val="bg1">
-                    <a:lumMod val="50000"/>
-                  </a:schemeClr>
-                </a:solidFill>
-              </a:rPr>
-              <a:t>parent</a:t>
-            </a:r>
-            <a:endParaRPr lang="de-DE" sz="1200" dirty="0" smtClean="0">
-              <a:solidFill>
-                <a:schemeClr val="bg1">
-                  <a:lumMod val="50000"/>
-                </a:schemeClr>
-              </a:solidFill>
-            </a:endParaRPr>
-          </a:p>
-          <a:p>
-            <a:r>
-              <a:rPr lang="de-DE" sz="1200" dirty="0" err="1" smtClean="0">
-                <a:solidFill>
-                  <a:schemeClr val="bg1">
-                    <a:lumMod val="50000"/>
-                  </a:schemeClr>
-                </a:solidFill>
-              </a:rPr>
-              <a:t>terminate</a:t>
-            </a:r>
-            <a:endParaRPr lang="de-DE" sz="1200" dirty="0">
+            <a:endParaRPr lang="de-DE" sz="1200">
               <a:solidFill>
                 <a:schemeClr val="bg1">
                   <a:lumMod val="50000"/>
@@ -7131,13 +6993,6 @@
   <p:clrMapOvr>
     <a:masterClrMapping/>
   </p:clrMapOvr>
-  <p:timing>
-    <p:tnLst>
-      <p:par>
-        <p:cTn id="1" dur="indefinite" restart="never" nodeType="tmRoot"/>
-      </p:par>
-    </p:tnLst>
-  </p:timing>
 </p:sld>
 </file>
 
@@ -7203,7 +7058,7 @@
           <a:p>
             <a:pPr algn="ctr"/>
             <a:r>
-              <a:rPr lang="de-DE" sz="1000" b="1" dirty="0" smtClean="0">
+              <a:rPr lang="de-DE" sz="1000" b="1">
                 <a:solidFill>
                   <a:schemeClr val="tx1"/>
                 </a:solidFill>
@@ -7214,18 +7069,13 @@
           <a:p>
             <a:pPr algn="ctr"/>
             <a:r>
-              <a:rPr lang="de-DE" sz="1000" b="1" dirty="0" smtClean="0">
+              <a:rPr lang="de-DE" sz="1000" b="1">
                 <a:solidFill>
                   <a:schemeClr val="tx1"/>
                 </a:solidFill>
               </a:rPr>
               <a:t>ENABLED</a:t>
             </a:r>
-            <a:endParaRPr lang="de-DE" sz="1000" b="1" dirty="0">
-              <a:solidFill>
-                <a:schemeClr val="tx1"/>
-              </a:solidFill>
-            </a:endParaRPr>
           </a:p>
         </p:txBody>
       </p:sp>
@@ -7274,7 +7124,7 @@
           <a:p>
             <a:pPr algn="ctr"/>
             <a:r>
-              <a:rPr lang="de-DE" sz="1000" b="1" dirty="0" smtClean="0">
+              <a:rPr lang="de-DE" sz="1000" b="1">
                 <a:solidFill>
                   <a:schemeClr val="tx1"/>
                 </a:solidFill>
@@ -7285,18 +7135,13 @@
           <a:p>
             <a:pPr algn="ctr"/>
             <a:r>
-              <a:rPr lang="de-DE" sz="1000" b="1" dirty="0" smtClean="0">
+              <a:rPr lang="de-DE" sz="1000" b="1">
                 <a:solidFill>
                   <a:schemeClr val="tx1"/>
                 </a:solidFill>
               </a:rPr>
               <a:t>ACTIVE</a:t>
             </a:r>
-            <a:endParaRPr lang="de-DE" sz="1000" b="1" dirty="0">
-              <a:solidFill>
-                <a:schemeClr val="tx1"/>
-              </a:solidFill>
-            </a:endParaRPr>
           </a:p>
         </p:txBody>
       </p:sp>
@@ -7345,7 +7190,7 @@
           <a:p>
             <a:pPr algn="ctr"/>
             <a:r>
-              <a:rPr lang="de-DE" sz="1000" b="1" dirty="0" smtClean="0">
+              <a:rPr lang="de-DE" sz="1000" b="1">
                 <a:solidFill>
                   <a:schemeClr val="tx1"/>
                 </a:solidFill>
@@ -7356,18 +7201,13 @@
           <a:p>
             <a:pPr algn="ctr"/>
             <a:r>
-              <a:rPr lang="de-DE" sz="1000" b="1" dirty="0" smtClean="0">
+              <a:rPr lang="de-DE" sz="1000" b="1">
                 <a:solidFill>
                   <a:schemeClr val="tx1"/>
                 </a:solidFill>
               </a:rPr>
               <a:t>AVAILABLE</a:t>
             </a:r>
-            <a:endParaRPr lang="de-DE" sz="1000" b="1" dirty="0">
-              <a:solidFill>
-                <a:schemeClr val="tx1"/>
-              </a:solidFill>
-            </a:endParaRPr>
           </a:p>
         </p:txBody>
       </p:sp>
@@ -7447,13 +7287,6 @@
   <p:clrMapOvr>
     <a:masterClrMapping/>
   </p:clrMapOvr>
-  <p:timing>
-    <p:tnLst>
-      <p:par>
-        <p:cTn id="1" dur="indefinite" restart="never" nodeType="tmRoot"/>
-      </p:par>
-    </p:tnLst>
-  </p:timing>
 </p:sld>
 </file>
 
@@ -7519,7 +7352,7 @@
           <a:p>
             <a:pPr algn="ctr"/>
             <a:r>
-              <a:rPr lang="de-DE" sz="1000" b="1" dirty="0" smtClean="0">
+              <a:rPr lang="de-DE" sz="1000" b="1">
                 <a:solidFill>
                   <a:schemeClr val="tx1"/>
                 </a:solidFill>
@@ -7530,18 +7363,13 @@
           <a:p>
             <a:pPr algn="ctr"/>
             <a:r>
-              <a:rPr lang="de-DE" sz="1000" b="1" dirty="0" smtClean="0">
+              <a:rPr lang="de-DE" sz="1000" b="1">
                 <a:solidFill>
                   <a:schemeClr val="tx1"/>
                 </a:solidFill>
               </a:rPr>
               <a:t>ACTIVE</a:t>
             </a:r>
-            <a:endParaRPr lang="de-DE" sz="1000" b="1" dirty="0">
-              <a:solidFill>
-                <a:schemeClr val="tx1"/>
-              </a:solidFill>
-            </a:endParaRPr>
           </a:p>
         </p:txBody>
       </p:sp>
@@ -7590,7 +7418,7 @@
           <a:p>
             <a:pPr algn="ctr"/>
             <a:r>
-              <a:rPr lang="de-DE" sz="1000" b="1" dirty="0" smtClean="0">
+              <a:rPr lang="de-DE" sz="1000" b="1">
                 <a:solidFill>
                   <a:schemeClr val="tx1"/>
                 </a:solidFill>
@@ -7601,18 +7429,13 @@
           <a:p>
             <a:pPr algn="ctr"/>
             <a:r>
-              <a:rPr lang="de-DE" sz="1000" b="1" dirty="0" smtClean="0">
+              <a:rPr lang="de-DE" sz="1000" b="1">
                 <a:solidFill>
                   <a:schemeClr val="tx1"/>
                 </a:solidFill>
               </a:rPr>
               <a:t>ACTIVE</a:t>
             </a:r>
-            <a:endParaRPr lang="de-DE" sz="1000" b="1" dirty="0">
-              <a:solidFill>
-                <a:schemeClr val="tx1"/>
-              </a:solidFill>
-            </a:endParaRPr>
           </a:p>
         </p:txBody>
       </p:sp>
@@ -7661,7 +7484,7 @@
           <a:p>
             <a:pPr algn="ctr"/>
             <a:r>
-              <a:rPr lang="de-DE" sz="1000" b="1" dirty="0" smtClean="0">
+              <a:rPr lang="de-DE" sz="1000" b="1">
                 <a:solidFill>
                   <a:schemeClr val="tx1"/>
                 </a:solidFill>
@@ -7672,18 +7495,13 @@
           <a:p>
             <a:pPr algn="ctr"/>
             <a:r>
-              <a:rPr lang="de-DE" sz="1000" b="1" dirty="0" smtClean="0">
+              <a:rPr lang="de-DE" sz="1000" b="1">
                 <a:solidFill>
                   <a:schemeClr val="tx1"/>
                 </a:solidFill>
               </a:rPr>
               <a:t>AVAILABLE</a:t>
             </a:r>
-            <a:endParaRPr lang="de-DE" sz="1000" b="1" dirty="0">
-              <a:solidFill>
-                <a:schemeClr val="tx1"/>
-              </a:solidFill>
-            </a:endParaRPr>
           </a:p>
         </p:txBody>
       </p:sp>
@@ -7763,13 +7581,6 @@
   <p:clrMapOvr>
     <a:masterClrMapping/>
   </p:clrMapOvr>
-  <p:timing>
-    <p:tnLst>
-      <p:par>
-        <p:cTn id="1" dur="indefinite" restart="never" nodeType="tmRoot"/>
-      </p:par>
-    </p:tnLst>
-  </p:timing>
 </p:sld>
 </file>
 
@@ -7835,7 +7646,7 @@
           <a:p>
             <a:pPr algn="ctr"/>
             <a:r>
-              <a:rPr lang="de-DE" sz="1000" b="1" dirty="0" smtClean="0">
+              <a:rPr lang="de-DE" sz="1000" b="1">
                 <a:solidFill>
                   <a:schemeClr val="tx1"/>
                 </a:solidFill>
@@ -7846,18 +7657,13 @@
           <a:p>
             <a:pPr algn="ctr"/>
             <a:r>
-              <a:rPr lang="de-DE" sz="1000" b="1" dirty="0" smtClean="0">
+              <a:rPr lang="de-DE" sz="1000" b="1">
                 <a:solidFill>
                   <a:schemeClr val="tx1"/>
                 </a:solidFill>
               </a:rPr>
               <a:t>COMPLETED</a:t>
             </a:r>
-            <a:endParaRPr lang="de-DE" sz="1000" b="1" dirty="0">
-              <a:solidFill>
-                <a:schemeClr val="tx1"/>
-              </a:solidFill>
-            </a:endParaRPr>
           </a:p>
         </p:txBody>
       </p:sp>
@@ -7906,7 +7712,7 @@
           <a:p>
             <a:pPr algn="ctr"/>
             <a:r>
-              <a:rPr lang="de-DE" sz="1000" b="1" dirty="0" smtClean="0">
+              <a:rPr lang="de-DE" sz="1000" b="1">
                 <a:solidFill>
                   <a:schemeClr val="tx1"/>
                 </a:solidFill>
@@ -7917,18 +7723,13 @@
           <a:p>
             <a:pPr algn="ctr"/>
             <a:r>
-              <a:rPr lang="de-DE" sz="1000" b="1" dirty="0" smtClean="0">
+              <a:rPr lang="de-DE" sz="1000" b="1">
                 <a:solidFill>
                   <a:schemeClr val="tx1"/>
                 </a:solidFill>
               </a:rPr>
               <a:t>ACTIVE</a:t>
             </a:r>
-            <a:endParaRPr lang="de-DE" sz="1000" b="1" dirty="0">
-              <a:solidFill>
-                <a:schemeClr val="tx1"/>
-              </a:solidFill>
-            </a:endParaRPr>
           </a:p>
         </p:txBody>
       </p:sp>
@@ -7977,7 +7778,7 @@
           <a:p>
             <a:pPr algn="ctr"/>
             <a:r>
-              <a:rPr lang="de-DE" sz="1000" b="1" dirty="0" smtClean="0">
+              <a:rPr lang="de-DE" sz="1000" b="1">
                 <a:solidFill>
                   <a:schemeClr val="tx1"/>
                 </a:solidFill>
@@ -7988,18 +7789,13 @@
           <a:p>
             <a:pPr algn="ctr"/>
             <a:r>
-              <a:rPr lang="de-DE" sz="1000" b="1" dirty="0" smtClean="0">
+              <a:rPr lang="de-DE" sz="1000" b="1">
                 <a:solidFill>
                   <a:schemeClr val="tx1"/>
                 </a:solidFill>
               </a:rPr>
               <a:t>ENABLED</a:t>
             </a:r>
-            <a:endParaRPr lang="de-DE" sz="1000" b="1" dirty="0">
-              <a:solidFill>
-                <a:schemeClr val="tx1"/>
-              </a:solidFill>
-            </a:endParaRPr>
           </a:p>
         </p:txBody>
       </p:sp>
@@ -8079,13 +7875,6 @@
   <p:clrMapOvr>
     <a:masterClrMapping/>
   </p:clrMapOvr>
-  <p:timing>
-    <p:tnLst>
-      <p:par>
-        <p:cTn id="1" dur="indefinite" restart="never" nodeType="tmRoot"/>
-      </p:par>
-    </p:tnLst>
-  </p:timing>
 </p:sld>
 </file>
 
@@ -8151,7 +7940,7 @@
           <a:p>
             <a:pPr algn="ctr"/>
             <a:r>
-              <a:rPr lang="de-DE" sz="1000" b="1" dirty="0" smtClean="0">
+              <a:rPr lang="de-DE" sz="1000" b="1">
                 <a:solidFill>
                   <a:schemeClr val="tx1"/>
                 </a:solidFill>
@@ -8162,18 +7951,13 @@
           <a:p>
             <a:pPr algn="ctr"/>
             <a:r>
-              <a:rPr lang="de-DE" sz="1000" b="1" dirty="0" smtClean="0">
+              <a:rPr lang="de-DE" sz="1000" b="1">
                 <a:solidFill>
                   <a:schemeClr val="tx1"/>
                 </a:solidFill>
               </a:rPr>
               <a:t>COMPLETED</a:t>
             </a:r>
-            <a:endParaRPr lang="de-DE" sz="1000" b="1" dirty="0">
-              <a:solidFill>
-                <a:schemeClr val="tx1"/>
-              </a:solidFill>
-            </a:endParaRPr>
           </a:p>
         </p:txBody>
       </p:sp>
@@ -8222,7 +8006,7 @@
           <a:p>
             <a:pPr algn="ctr"/>
             <a:r>
-              <a:rPr lang="de-DE" sz="1000" b="1" dirty="0" smtClean="0">
+              <a:rPr lang="de-DE" sz="1000" b="1">
                 <a:solidFill>
                   <a:schemeClr val="tx1"/>
                 </a:solidFill>
@@ -8233,18 +8017,13 @@
           <a:p>
             <a:pPr algn="ctr"/>
             <a:r>
-              <a:rPr lang="de-DE" sz="1000" b="1" dirty="0" smtClean="0">
+              <a:rPr lang="de-DE" sz="1000" b="1">
                 <a:solidFill>
                   <a:schemeClr val="tx1"/>
                 </a:solidFill>
               </a:rPr>
               <a:t>COMPLETED</a:t>
             </a:r>
-            <a:endParaRPr lang="de-DE" sz="1000" b="1" dirty="0">
-              <a:solidFill>
-                <a:schemeClr val="tx1"/>
-              </a:solidFill>
-            </a:endParaRPr>
           </a:p>
         </p:txBody>
       </p:sp>
@@ -8293,7 +8072,7 @@
           <a:p>
             <a:pPr algn="ctr"/>
             <a:r>
-              <a:rPr lang="de-DE" sz="1000" b="1" dirty="0" smtClean="0">
+              <a:rPr lang="de-DE" sz="1000" b="1">
                 <a:solidFill>
                   <a:schemeClr val="tx1"/>
                 </a:solidFill>
@@ -8304,18 +8083,13 @@
           <a:p>
             <a:pPr algn="ctr"/>
             <a:r>
-              <a:rPr lang="de-DE" sz="1000" b="1" dirty="0" smtClean="0">
+              <a:rPr lang="de-DE" sz="1000" b="1">
                 <a:solidFill>
                   <a:schemeClr val="tx1"/>
                 </a:solidFill>
               </a:rPr>
               <a:t>COMPLETED</a:t>
             </a:r>
-            <a:endParaRPr lang="de-DE" sz="1000" b="1" dirty="0">
-              <a:solidFill>
-                <a:schemeClr val="tx1"/>
-              </a:solidFill>
-            </a:endParaRPr>
           </a:p>
         </p:txBody>
       </p:sp>
@@ -8395,13 +8169,6 @@
   <p:clrMapOvr>
     <a:masterClrMapping/>
   </p:clrMapOvr>
-  <p:timing>
-    <p:tnLst>
-      <p:par>
-        <p:cTn id="1" dur="indefinite" restart="never" nodeType="tmRoot"/>
-      </p:par>
-    </p:tnLst>
-  </p:timing>
 </p:sld>
 </file>
 
